--- a/resources/SV_parser.pptx
+++ b/resources/SV_parser.pptx
@@ -6,15 +6,22 @@
   </p:sldMasterIdLst>
   <p:sldIdLst>
     <p:sldId id="256" r:id="rId2"/>
-    <p:sldId id="257" r:id="rId3"/>
-    <p:sldId id="261" r:id="rId4"/>
-    <p:sldId id="258" r:id="rId5"/>
-    <p:sldId id="259" r:id="rId6"/>
-    <p:sldId id="260" r:id="rId7"/>
-    <p:sldId id="262" r:id="rId8"/>
-    <p:sldId id="264" r:id="rId9"/>
-    <p:sldId id="265" r:id="rId10"/>
-    <p:sldId id="263" r:id="rId11"/>
+    <p:sldId id="266" r:id="rId3"/>
+    <p:sldId id="268" r:id="rId4"/>
+    <p:sldId id="267" r:id="rId5"/>
+    <p:sldId id="269" r:id="rId6"/>
+    <p:sldId id="270" r:id="rId7"/>
+    <p:sldId id="271" r:id="rId8"/>
+    <p:sldId id="272" r:id="rId9"/>
+    <p:sldId id="257" r:id="rId10"/>
+    <p:sldId id="261" r:id="rId11"/>
+    <p:sldId id="258" r:id="rId12"/>
+    <p:sldId id="259" r:id="rId13"/>
+    <p:sldId id="260" r:id="rId14"/>
+    <p:sldId id="262" r:id="rId15"/>
+    <p:sldId id="264" r:id="rId16"/>
+    <p:sldId id="265" r:id="rId17"/>
+    <p:sldId id="263" r:id="rId18"/>
   </p:sldIdLst>
   <p:sldSz cx="12192000" cy="6858000"/>
   <p:notesSz cx="6858000" cy="9144000"/>
@@ -268,7 +275,7 @@
           <a:p>
             <a:fld id="{1CF78A8A-3CE8-AD42-9F64-2EE59F845A15}" type="datetimeFigureOut">
               <a:rPr kumimoji="1" lang="ja-JP" altLang="en-US" smtClean="0"/>
-              <a:t>2020/10/11</a:t>
+              <a:t>2020/10/22</a:t>
             </a:fld>
             <a:endParaRPr kumimoji="1" lang="ja-JP" altLang="en-US"/>
           </a:p>
@@ -498,7 +505,7 @@
           <a:p>
             <a:fld id="{1CF78A8A-3CE8-AD42-9F64-2EE59F845A15}" type="datetimeFigureOut">
               <a:rPr kumimoji="1" lang="ja-JP" altLang="en-US" smtClean="0"/>
-              <a:t>2020/10/11</a:t>
+              <a:t>2020/10/22</a:t>
             </a:fld>
             <a:endParaRPr kumimoji="1" lang="ja-JP" altLang="en-US"/>
           </a:p>
@@ -738,7 +745,7 @@
           <a:p>
             <a:fld id="{1CF78A8A-3CE8-AD42-9F64-2EE59F845A15}" type="datetimeFigureOut">
               <a:rPr kumimoji="1" lang="ja-JP" altLang="en-US" smtClean="0"/>
-              <a:t>2020/10/11</a:t>
+              <a:t>2020/10/22</a:t>
             </a:fld>
             <a:endParaRPr kumimoji="1" lang="ja-JP" altLang="en-US"/>
           </a:p>
@@ -968,7 +975,7 @@
           <a:p>
             <a:fld id="{1CF78A8A-3CE8-AD42-9F64-2EE59F845A15}" type="datetimeFigureOut">
               <a:rPr kumimoji="1" lang="ja-JP" altLang="en-US" smtClean="0"/>
-              <a:t>2020/10/11</a:t>
+              <a:t>2020/10/22</a:t>
             </a:fld>
             <a:endParaRPr kumimoji="1" lang="ja-JP" altLang="en-US"/>
           </a:p>
@@ -1243,7 +1250,7 @@
           <a:p>
             <a:fld id="{1CF78A8A-3CE8-AD42-9F64-2EE59F845A15}" type="datetimeFigureOut">
               <a:rPr kumimoji="1" lang="ja-JP" altLang="en-US" smtClean="0"/>
-              <a:t>2020/10/11</a:t>
+              <a:t>2020/10/22</a:t>
             </a:fld>
             <a:endParaRPr kumimoji="1" lang="ja-JP" altLang="en-US"/>
           </a:p>
@@ -1572,7 +1579,7 @@
           <a:p>
             <a:fld id="{1CF78A8A-3CE8-AD42-9F64-2EE59F845A15}" type="datetimeFigureOut">
               <a:rPr kumimoji="1" lang="ja-JP" altLang="en-US" smtClean="0"/>
-              <a:t>2020/10/11</a:t>
+              <a:t>2020/10/22</a:t>
             </a:fld>
             <a:endParaRPr kumimoji="1" lang="ja-JP" altLang="en-US"/>
           </a:p>
@@ -2048,7 +2055,7 @@
           <a:p>
             <a:fld id="{1CF78A8A-3CE8-AD42-9F64-2EE59F845A15}" type="datetimeFigureOut">
               <a:rPr kumimoji="1" lang="ja-JP" altLang="en-US" smtClean="0"/>
-              <a:t>2020/10/11</a:t>
+              <a:t>2020/10/22</a:t>
             </a:fld>
             <a:endParaRPr kumimoji="1" lang="ja-JP" altLang="en-US"/>
           </a:p>
@@ -2189,7 +2196,7 @@
           <a:p>
             <a:fld id="{1CF78A8A-3CE8-AD42-9F64-2EE59F845A15}" type="datetimeFigureOut">
               <a:rPr kumimoji="1" lang="ja-JP" altLang="en-US" smtClean="0"/>
-              <a:t>2020/10/11</a:t>
+              <a:t>2020/10/22</a:t>
             </a:fld>
             <a:endParaRPr kumimoji="1" lang="ja-JP" altLang="en-US"/>
           </a:p>
@@ -2302,7 +2309,7 @@
           <a:p>
             <a:fld id="{1CF78A8A-3CE8-AD42-9F64-2EE59F845A15}" type="datetimeFigureOut">
               <a:rPr kumimoji="1" lang="ja-JP" altLang="en-US" smtClean="0"/>
-              <a:t>2020/10/11</a:t>
+              <a:t>2020/10/22</a:t>
             </a:fld>
             <a:endParaRPr kumimoji="1" lang="ja-JP" altLang="en-US"/>
           </a:p>
@@ -2645,7 +2652,7 @@
           <a:p>
             <a:fld id="{1CF78A8A-3CE8-AD42-9F64-2EE59F845A15}" type="datetimeFigureOut">
               <a:rPr kumimoji="1" lang="ja-JP" altLang="en-US" smtClean="0"/>
-              <a:t>2020/10/11</a:t>
+              <a:t>2020/10/22</a:t>
             </a:fld>
             <a:endParaRPr kumimoji="1" lang="ja-JP" altLang="en-US"/>
           </a:p>
@@ -2933,7 +2940,7 @@
           <a:p>
             <a:fld id="{1CF78A8A-3CE8-AD42-9F64-2EE59F845A15}" type="datetimeFigureOut">
               <a:rPr kumimoji="1" lang="ja-JP" altLang="en-US" smtClean="0"/>
-              <a:t>2020/10/11</a:t>
+              <a:t>2020/10/22</a:t>
             </a:fld>
             <a:endParaRPr kumimoji="1" lang="ja-JP" altLang="en-US"/>
           </a:p>
@@ -3206,7 +3213,7 @@
           <a:p>
             <a:fld id="{1CF78A8A-3CE8-AD42-9F64-2EE59F845A15}" type="datetimeFigureOut">
               <a:rPr kumimoji="1" lang="ja-JP" altLang="en-US" smtClean="0"/>
-              <a:t>2020/10/11</a:t>
+              <a:t>2020/10/22</a:t>
             </a:fld>
             <a:endParaRPr kumimoji="1" lang="ja-JP" altLang="en-US"/>
           </a:p>
@@ -3646,19 +3653,7 @@
           <a:p>
             <a:r>
               <a:rPr kumimoji="1" lang="en-US" altLang="ja-JP" dirty="0" err="1"/>
-              <a:t>SV_parser</a:t>
-            </a:r>
-            <a:r>
-              <a:rPr kumimoji="1" lang="en-US" altLang="ja-JP" dirty="0"/>
-              <a:t>(</a:t>
-            </a:r>
-            <a:r>
-              <a:rPr lang="ja-JP" altLang="en-US"/>
-              <a:t>仮</a:t>
-            </a:r>
-            <a:r>
-              <a:rPr lang="en-US" altLang="ja-JP" dirty="0"/>
-              <a:t>)</a:t>
+              <a:t>PySgt</a:t>
             </a:r>
             <a:endParaRPr kumimoji="1" lang="ja-JP" altLang="en-US"/>
           </a:p>
@@ -3724,265 +3719,6 @@
           <p:cNvPr id="2" name="タイトル 1">
             <a:extLst>
               <a:ext uri="{FF2B5EF4-FFF2-40B4-BE49-F238E27FC236}">
-                <a16:creationId xmlns:a16="http://schemas.microsoft.com/office/drawing/2014/main" id="{B8DD84E5-B1A1-0A4C-916B-B63DF156B738}"/>
-              </a:ext>
-            </a:extLst>
-          </p:cNvPr>
-          <p:cNvSpPr>
-            <a:spLocks noGrp="1"/>
-          </p:cNvSpPr>
-          <p:nvPr>
-            <p:ph type="title"/>
-          </p:nvPr>
-        </p:nvSpPr>
-        <p:spPr/>
-        <p:txBody>
-          <a:bodyPr/>
-          <a:lstStyle/>
-          <a:p>
-            <a:r>
-              <a:rPr kumimoji="1" lang="ja-JP" altLang="en-US"/>
-              <a:t>主な競合</a:t>
-            </a:r>
-          </a:p>
-        </p:txBody>
-      </p:sp>
-      <p:sp>
-        <p:nvSpPr>
-          <p:cNvPr id="3" name="コンテンツ プレースホルダー 2">
-            <a:extLst>
-              <a:ext uri="{FF2B5EF4-FFF2-40B4-BE49-F238E27FC236}">
-                <a16:creationId xmlns:a16="http://schemas.microsoft.com/office/drawing/2014/main" id="{B5CA4BDA-CBD3-3745-B4A4-1F6816EA8052}"/>
-              </a:ext>
-            </a:extLst>
-          </p:cNvPr>
-          <p:cNvSpPr>
-            <a:spLocks noGrp="1"/>
-          </p:cNvSpPr>
-          <p:nvPr>
-            <p:ph idx="1"/>
-          </p:nvPr>
-        </p:nvSpPr>
-        <p:spPr/>
-        <p:txBody>
-          <a:bodyPr/>
-          <a:lstStyle/>
-          <a:p>
-            <a:r>
-              <a:rPr kumimoji="1" lang="en-US" altLang="ja-JP" dirty="0" err="1"/>
-              <a:t>PyVCF</a:t>
-            </a:r>
-            <a:r>
-              <a:rPr kumimoji="1" lang="en-US" altLang="ja-JP" dirty="0"/>
-              <a:t>(</a:t>
-            </a:r>
-            <a:r>
-              <a:rPr kumimoji="1" lang="ja-JP" altLang="en-US"/>
-              <a:t>依存することにした</a:t>
-            </a:r>
-            <a:r>
-              <a:rPr kumimoji="1" lang="en-US" altLang="ja-JP" dirty="0"/>
-              <a:t>)</a:t>
-            </a:r>
-          </a:p>
-          <a:p>
-            <a:r>
-              <a:rPr lang="en-US" altLang="ja-JP" dirty="0"/>
-              <a:t>VCF Explorer(GUI</a:t>
-            </a:r>
-            <a:r>
-              <a:rPr lang="ja-JP" altLang="en-US"/>
-              <a:t>ソフト。</a:t>
-            </a:r>
-            <a:r>
-              <a:rPr lang="en-US" altLang="ja-JP" dirty="0"/>
-              <a:t>SV</a:t>
-            </a:r>
-            <a:r>
-              <a:rPr lang="ja-JP" altLang="en-US"/>
-              <a:t>特化ではない</a:t>
-            </a:r>
-            <a:r>
-              <a:rPr lang="en-US" altLang="ja-JP" dirty="0"/>
-              <a:t>)</a:t>
-            </a:r>
-          </a:p>
-          <a:p>
-            <a:r>
-              <a:rPr kumimoji="1" lang="en-US" altLang="ja-JP" dirty="0" err="1"/>
-              <a:t>Annot</a:t>
-            </a:r>
-            <a:r>
-              <a:rPr lang="en-US" altLang="ja-JP" dirty="0" err="1"/>
-              <a:t>SV</a:t>
-            </a:r>
-            <a:endParaRPr lang="en-US" altLang="ja-JP" dirty="0"/>
-          </a:p>
-          <a:p>
-            <a:r>
-              <a:rPr kumimoji="1" lang="en-US" altLang="ja-JP" dirty="0" err="1"/>
-              <a:t>StructuralVariationAnnotation</a:t>
-            </a:r>
-            <a:endParaRPr kumimoji="1" lang="ja-JP" altLang="en-US"/>
-          </a:p>
-        </p:txBody>
-      </p:sp>
-    </p:spTree>
-    <p:extLst>
-      <p:ext uri="{BB962C8B-B14F-4D97-AF65-F5344CB8AC3E}">
-        <p14:creationId xmlns:p14="http://schemas.microsoft.com/office/powerpoint/2010/main" val="2415032305"/>
-      </p:ext>
-    </p:extLst>
-  </p:cSld>
-  <p:clrMapOvr>
-    <a:masterClrMapping/>
-  </p:clrMapOvr>
-</p:sld>
-</file>
-
-<file path=ppt/slides/slide2.xml><?xml version="1.0" encoding="utf-8"?>
-<p:sld xmlns:a="http://schemas.openxmlformats.org/drawingml/2006/main" xmlns:r="http://schemas.openxmlformats.org/officeDocument/2006/relationships" xmlns:p="http://schemas.openxmlformats.org/presentationml/2006/main">
-  <p:cSld>
-    <p:spTree>
-      <p:nvGrpSpPr>
-        <p:cNvPr id="1" name=""/>
-        <p:cNvGrpSpPr/>
-        <p:nvPr/>
-      </p:nvGrpSpPr>
-      <p:grpSpPr>
-        <a:xfrm>
-          <a:off x="0" y="0"/>
-          <a:ext cx="0" cy="0"/>
-          <a:chOff x="0" y="0"/>
-          <a:chExt cx="0" cy="0"/>
-        </a:xfrm>
-      </p:grpSpPr>
-      <p:sp>
-        <p:nvSpPr>
-          <p:cNvPr id="2" name="タイトル 1">
-            <a:extLst>
-              <a:ext uri="{FF2B5EF4-FFF2-40B4-BE49-F238E27FC236}">
-                <a16:creationId xmlns:a16="http://schemas.microsoft.com/office/drawing/2014/main" id="{6E432A0A-FB5A-5E43-81CA-4A48A6F38684}"/>
-              </a:ext>
-            </a:extLst>
-          </p:cNvPr>
-          <p:cNvSpPr>
-            <a:spLocks noGrp="1"/>
-          </p:cNvSpPr>
-          <p:nvPr>
-            <p:ph type="title"/>
-          </p:nvPr>
-        </p:nvSpPr>
-        <p:spPr/>
-        <p:txBody>
-          <a:bodyPr/>
-          <a:lstStyle/>
-          <a:p>
-            <a:r>
-              <a:rPr kumimoji="1" lang="en-US" altLang="ja-JP"/>
-              <a:t>SV_parser</a:t>
-            </a:r>
-            <a:r>
-              <a:rPr kumimoji="1" lang="ja-JP" altLang="en-US"/>
-              <a:t>の概略</a:t>
-            </a:r>
-          </a:p>
-        </p:txBody>
-      </p:sp>
-      <p:sp>
-        <p:nvSpPr>
-          <p:cNvPr id="3" name="コンテンツ プレースホルダー 2">
-            <a:extLst>
-              <a:ext uri="{FF2B5EF4-FFF2-40B4-BE49-F238E27FC236}">
-                <a16:creationId xmlns:a16="http://schemas.microsoft.com/office/drawing/2014/main" id="{979444CB-83D2-3242-B2AB-22C8DEF4BCCB}"/>
-              </a:ext>
-            </a:extLst>
-          </p:cNvPr>
-          <p:cNvSpPr>
-            <a:spLocks noGrp="1"/>
-          </p:cNvSpPr>
-          <p:nvPr>
-            <p:ph idx="1"/>
-          </p:nvPr>
-        </p:nvSpPr>
-        <p:spPr/>
-        <p:txBody>
-          <a:bodyPr/>
-          <a:lstStyle/>
-          <a:p>
-            <a:r>
-              <a:rPr kumimoji="1" lang="en-US" altLang="ja-JP" dirty="0"/>
-              <a:t>SV</a:t>
-            </a:r>
-            <a:r>
-              <a:rPr kumimoji="1" lang="ja-JP" altLang="en-US"/>
-              <a:t>解析における</a:t>
-            </a:r>
-            <a:r>
-              <a:rPr kumimoji="1" lang="en-US" altLang="ja-JP" dirty="0"/>
-              <a:t>Robust</a:t>
-            </a:r>
-            <a:r>
-              <a:rPr kumimoji="1" lang="ja-JP" altLang="en-US"/>
-              <a:t>なデータフローを実現する</a:t>
-            </a:r>
-            <a:endParaRPr kumimoji="1" lang="en-US" altLang="ja-JP" dirty="0"/>
-          </a:p>
-          <a:p>
-            <a:r>
-              <a:rPr kumimoji="1" lang="en-US" altLang="ja-JP" dirty="0"/>
-              <a:t>Python</a:t>
-            </a:r>
-            <a:r>
-              <a:rPr kumimoji="1" lang="ja-JP" altLang="en-US"/>
-              <a:t>純正でコーディング</a:t>
-            </a:r>
-            <a:endParaRPr kumimoji="1" lang="en-US" altLang="ja-JP" dirty="0"/>
-          </a:p>
-          <a:p>
-            <a:r>
-              <a:rPr lang="en-US" altLang="ja-JP" dirty="0"/>
-              <a:t>Pandas-like data structure</a:t>
-            </a:r>
-            <a:endParaRPr kumimoji="1" lang="en-US" altLang="ja-JP" dirty="0"/>
-          </a:p>
-        </p:txBody>
-      </p:sp>
-    </p:spTree>
-    <p:extLst>
-      <p:ext uri="{BB962C8B-B14F-4D97-AF65-F5344CB8AC3E}">
-        <p14:creationId xmlns:p14="http://schemas.microsoft.com/office/powerpoint/2010/main" val="3074783831"/>
-      </p:ext>
-    </p:extLst>
-  </p:cSld>
-  <p:clrMapOvr>
-    <a:masterClrMapping/>
-  </p:clrMapOvr>
-</p:sld>
-</file>
-
-<file path=ppt/slides/slide3.xml><?xml version="1.0" encoding="utf-8"?>
-<p:sld xmlns:a="http://schemas.openxmlformats.org/drawingml/2006/main" xmlns:r="http://schemas.openxmlformats.org/officeDocument/2006/relationships" xmlns:p="http://schemas.openxmlformats.org/presentationml/2006/main">
-  <p:cSld>
-    <p:spTree>
-      <p:nvGrpSpPr>
-        <p:cNvPr id="1" name=""/>
-        <p:cNvGrpSpPr/>
-        <p:nvPr/>
-      </p:nvGrpSpPr>
-      <p:grpSpPr>
-        <a:xfrm>
-          <a:off x="0" y="0"/>
-          <a:ext cx="0" cy="0"/>
-          <a:chOff x="0" y="0"/>
-          <a:chExt cx="0" cy="0"/>
-        </a:xfrm>
-      </p:grpSpPr>
-      <p:sp>
-        <p:nvSpPr>
-          <p:cNvPr id="2" name="タイトル 1">
-            <a:extLst>
-              <a:ext uri="{FF2B5EF4-FFF2-40B4-BE49-F238E27FC236}">
                 <a16:creationId xmlns:a16="http://schemas.microsoft.com/office/drawing/2014/main" id="{3CC03F6B-0A2F-004F-B1D5-507AC2D998E2}"/>
               </a:ext>
             </a:extLst>
@@ -4025,12 +3761,18 @@
         </p:nvSpPr>
         <p:spPr/>
         <p:txBody>
-          <a:bodyPr/>
-          <a:lstStyle/>
-          <a:p>
-            <a:r>
-              <a:rPr kumimoji="1" lang="ja-JP" altLang="en-US"/>
-              <a:t>情報の喪失がない</a:t>
+          <a:bodyPr>
+            <a:normAutofit lnSpcReduction="10000"/>
+          </a:bodyPr>
+          <a:lstStyle/>
+          <a:p>
+            <a:r>
+              <a:rPr kumimoji="1" lang="ja-JP" altLang="en-US"/>
+              <a:t>情報の喪失が</a:t>
+            </a:r>
+            <a:r>
+              <a:rPr lang="ja-JP" altLang="en-US"/>
+              <a:t>少ない</a:t>
             </a:r>
             <a:r>
               <a:rPr kumimoji="1" lang="en-US" altLang="ja-JP" dirty="0"/>
@@ -4100,6 +3842,17 @@
             <a:r>
               <a:rPr kumimoji="1" lang="ja-JP" altLang="en-US"/>
               <a:t>直感的なフィルタリング機能</a:t>
+            </a:r>
+            <a:endParaRPr kumimoji="1" lang="en-US" altLang="ja-JP" dirty="0"/>
+          </a:p>
+          <a:p>
+            <a:r>
+              <a:rPr kumimoji="1" lang="en-US" altLang="ja-JP" dirty="0"/>
+              <a:t>BED</a:t>
+            </a:r>
+            <a:r>
+              <a:rPr kumimoji="1" lang="ja-JP" altLang="en-US"/>
+              <a:t>ファイルによるアノテーション</a:t>
             </a:r>
             <a:endParaRPr kumimoji="1" lang="en-US" altLang="ja-JP" dirty="0"/>
           </a:p>
@@ -4164,7 +3917,7 @@
 </p:sld>
 </file>
 
-<file path=ppt/slides/slide4.xml><?xml version="1.0" encoding="utf-8"?>
+<file path=ppt/slides/slide11.xml><?xml version="1.0" encoding="utf-8"?>
 <p:sld xmlns:a="http://schemas.openxmlformats.org/drawingml/2006/main" xmlns:r="http://schemas.openxmlformats.org/officeDocument/2006/relationships" xmlns:p="http://schemas.openxmlformats.org/presentationml/2006/main">
   <p:cSld>
     <p:spTree>
@@ -5014,7 +4767,7 @@
         </p:nvCxnSpPr>
         <p:spPr>
           <a:xfrm flipH="1">
-            <a:off x="7193087" y="1166304"/>
+            <a:off x="7235045" y="1031686"/>
             <a:ext cx="1" cy="1319104"/>
           </a:xfrm>
           <a:prstGeom prst="straightConnector1">
@@ -5417,6 +5170,1181 @@
 </p:sld>
 </file>
 
+<file path=ppt/slides/slide12.xml><?xml version="1.0" encoding="utf-8"?>
+<p:sld xmlns:a="http://schemas.openxmlformats.org/drawingml/2006/main" xmlns:r="http://schemas.openxmlformats.org/officeDocument/2006/relationships" xmlns:p="http://schemas.openxmlformats.org/presentationml/2006/main">
+  <p:cSld>
+    <p:spTree>
+      <p:nvGrpSpPr>
+        <p:cNvPr id="1" name=""/>
+        <p:cNvGrpSpPr/>
+        <p:nvPr/>
+      </p:nvGrpSpPr>
+      <p:grpSpPr>
+        <a:xfrm>
+          <a:off x="0" y="0"/>
+          <a:ext cx="0" cy="0"/>
+          <a:chOff x="0" y="0"/>
+          <a:chExt cx="0" cy="0"/>
+        </a:xfrm>
+      </p:grpSpPr>
+      <p:sp>
+        <p:nvSpPr>
+          <p:cNvPr id="2" name="タイトル 1">
+            <a:extLst>
+              <a:ext uri="{FF2B5EF4-FFF2-40B4-BE49-F238E27FC236}">
+                <a16:creationId xmlns:a16="http://schemas.microsoft.com/office/drawing/2014/main" id="{629FBA16-8694-054A-B8E4-24AE6BEC15E6}"/>
+              </a:ext>
+            </a:extLst>
+          </p:cNvPr>
+          <p:cNvSpPr>
+            <a:spLocks noGrp="1"/>
+          </p:cNvSpPr>
+          <p:nvPr>
+            <p:ph type="title"/>
+          </p:nvPr>
+        </p:nvSpPr>
+        <p:spPr/>
+        <p:txBody>
+          <a:bodyPr/>
+          <a:lstStyle/>
+          <a:p>
+            <a:r>
+              <a:rPr kumimoji="1" lang="en-US" altLang="ja-JP" dirty="0"/>
+              <a:t>SV</a:t>
+            </a:r>
+            <a:r>
+              <a:rPr kumimoji="1" lang="ja-JP" altLang="en-US"/>
+              <a:t>解析において重要な情報</a:t>
+            </a:r>
+          </a:p>
+        </p:txBody>
+      </p:sp>
+      <p:sp>
+        <p:nvSpPr>
+          <p:cNvPr id="3" name="コンテンツ プレースホルダー 2">
+            <a:extLst>
+              <a:ext uri="{FF2B5EF4-FFF2-40B4-BE49-F238E27FC236}">
+                <a16:creationId xmlns:a16="http://schemas.microsoft.com/office/drawing/2014/main" id="{4F835BAA-FDF9-DB48-AE9B-1A5E73DEC1CE}"/>
+              </a:ext>
+            </a:extLst>
+          </p:cNvPr>
+          <p:cNvSpPr>
+            <a:spLocks noGrp="1"/>
+          </p:cNvSpPr>
+          <p:nvPr>
+            <p:ph idx="1"/>
+          </p:nvPr>
+        </p:nvSpPr>
+        <p:spPr/>
+        <p:txBody>
+          <a:bodyPr/>
+          <a:lstStyle/>
+          <a:p>
+            <a:r>
+              <a:rPr lang="ja-JP" altLang="en-US"/>
+              <a:t>ブレイクポイントのポジション</a:t>
+            </a:r>
+            <a:endParaRPr lang="en-US" altLang="ja-JP" dirty="0"/>
+          </a:p>
+          <a:p>
+            <a:r>
+              <a:rPr lang="ja-JP" altLang="en-US"/>
+              <a:t>変異クラス</a:t>
+            </a:r>
+            <a:endParaRPr lang="en-US" altLang="ja-JP" dirty="0"/>
+          </a:p>
+          <a:p>
+            <a:r>
+              <a:rPr lang="ja-JP" altLang="en-US"/>
+              <a:t>変異の長さ</a:t>
+            </a:r>
+            <a:endParaRPr lang="en-US" altLang="ja-JP" dirty="0"/>
+          </a:p>
+          <a:p>
+            <a:r>
+              <a:rPr lang="ja-JP" altLang="en-US"/>
+              <a:t>マイクロホモロジーの長さ</a:t>
+            </a:r>
+            <a:endParaRPr lang="en-US" altLang="ja-JP" dirty="0"/>
+          </a:p>
+          <a:p>
+            <a:r>
+              <a:rPr kumimoji="1" lang="ja-JP" altLang="en-US"/>
+              <a:t>サポートリード数</a:t>
+            </a:r>
+            <a:endParaRPr kumimoji="1" lang="en-US" altLang="ja-JP" dirty="0"/>
+          </a:p>
+          <a:p>
+            <a:pPr lvl="1"/>
+            <a:r>
+              <a:rPr kumimoji="1" lang="en-US" altLang="ja-JP" dirty="0"/>
+              <a:t>Paired read</a:t>
+            </a:r>
+          </a:p>
+          <a:p>
+            <a:pPr lvl="1"/>
+            <a:r>
+              <a:rPr kumimoji="1" lang="en-US" altLang="ja-JP" dirty="0"/>
+              <a:t>Split read</a:t>
+            </a:r>
+          </a:p>
+          <a:p>
+            <a:r>
+              <a:rPr kumimoji="1" lang="en-US" altLang="ja-JP" dirty="0"/>
+              <a:t>VAF</a:t>
+            </a:r>
+          </a:p>
+          <a:p>
+            <a:r>
+              <a:rPr kumimoji="1" lang="en-US" altLang="ja-JP" dirty="0"/>
+              <a:t>Caller</a:t>
+            </a:r>
+            <a:r>
+              <a:rPr kumimoji="1" lang="ja-JP" altLang="en-US"/>
+              <a:t>によって付けられたスコア</a:t>
+            </a:r>
+            <a:endParaRPr kumimoji="1" lang="en-US" altLang="ja-JP" dirty="0"/>
+          </a:p>
+          <a:p>
+            <a:endParaRPr kumimoji="1" lang="ja-JP" altLang="en-US"/>
+          </a:p>
+        </p:txBody>
+      </p:sp>
+    </p:spTree>
+    <p:extLst>
+      <p:ext uri="{BB962C8B-B14F-4D97-AF65-F5344CB8AC3E}">
+        <p14:creationId xmlns:p14="http://schemas.microsoft.com/office/powerpoint/2010/main" val="1431691027"/>
+      </p:ext>
+    </p:extLst>
+  </p:cSld>
+  <p:clrMapOvr>
+    <a:masterClrMapping/>
+  </p:clrMapOvr>
+</p:sld>
+</file>
+
+<file path=ppt/slides/slide13.xml><?xml version="1.0" encoding="utf-8"?>
+<p:sld xmlns:a="http://schemas.openxmlformats.org/drawingml/2006/main" xmlns:r="http://schemas.openxmlformats.org/officeDocument/2006/relationships" xmlns:p="http://schemas.openxmlformats.org/presentationml/2006/main">
+  <p:cSld>
+    <p:spTree>
+      <p:nvGrpSpPr>
+        <p:cNvPr id="1" name=""/>
+        <p:cNvGrpSpPr/>
+        <p:nvPr/>
+      </p:nvGrpSpPr>
+      <p:grpSpPr>
+        <a:xfrm>
+          <a:off x="0" y="0"/>
+          <a:ext cx="0" cy="0"/>
+          <a:chOff x="0" y="0"/>
+          <a:chExt cx="0" cy="0"/>
+        </a:xfrm>
+      </p:grpSpPr>
+      <p:sp>
+        <p:nvSpPr>
+          <p:cNvPr id="2" name="タイトル 1">
+            <a:extLst>
+              <a:ext uri="{FF2B5EF4-FFF2-40B4-BE49-F238E27FC236}">
+                <a16:creationId xmlns:a16="http://schemas.microsoft.com/office/drawing/2014/main" id="{B42DAD75-7666-BB46-BB8E-6EACBE901417}"/>
+              </a:ext>
+            </a:extLst>
+          </p:cNvPr>
+          <p:cNvSpPr>
+            <a:spLocks noGrp="1"/>
+          </p:cNvSpPr>
+          <p:nvPr>
+            <p:ph type="title"/>
+          </p:nvPr>
+        </p:nvSpPr>
+        <p:spPr/>
+        <p:txBody>
+          <a:bodyPr/>
+          <a:lstStyle/>
+          <a:p>
+            <a:r>
+              <a:rPr lang="ja-JP" altLang="en-US"/>
+              <a:t>中間オブジェクトのデータ構成をどうするか</a:t>
+            </a:r>
+            <a:endParaRPr kumimoji="1" lang="ja-JP" altLang="en-US"/>
+          </a:p>
+        </p:txBody>
+      </p:sp>
+      <p:sp>
+        <p:nvSpPr>
+          <p:cNvPr id="3" name="コンテンツ プレースホルダー 2">
+            <a:extLst>
+              <a:ext uri="{FF2B5EF4-FFF2-40B4-BE49-F238E27FC236}">
+                <a16:creationId xmlns:a16="http://schemas.microsoft.com/office/drawing/2014/main" id="{43CC3A9B-DF0F-7C4B-B757-12BE1433B145}"/>
+              </a:ext>
+            </a:extLst>
+          </p:cNvPr>
+          <p:cNvSpPr>
+            <a:spLocks noGrp="1"/>
+          </p:cNvSpPr>
+          <p:nvPr>
+            <p:ph idx="1"/>
+          </p:nvPr>
+        </p:nvSpPr>
+        <p:spPr/>
+        <p:txBody>
+          <a:bodyPr/>
+          <a:lstStyle/>
+          <a:p>
+            <a:r>
+              <a:rPr lang="en-US" altLang="ja-JP" dirty="0"/>
+              <a:t>Relational Data Base</a:t>
+            </a:r>
+            <a:r>
+              <a:rPr lang="ja-JP" altLang="en-US"/>
+              <a:t>的な構成にした</a:t>
+            </a:r>
+            <a:endParaRPr lang="en-US" altLang="ja-JP" dirty="0"/>
+          </a:p>
+          <a:p>
+            <a:r>
+              <a:rPr kumimoji="1" lang="en-US" altLang="ja-JP" dirty="0"/>
+              <a:t>Sqlite3</a:t>
+            </a:r>
+            <a:r>
+              <a:rPr kumimoji="1" lang="ja-JP" altLang="en-US"/>
+              <a:t>は使わない（環境依存が大きい懸念があるため）</a:t>
+            </a:r>
+            <a:endParaRPr kumimoji="1" lang="en-US" altLang="ja-JP" dirty="0"/>
+          </a:p>
+          <a:p>
+            <a:r>
+              <a:rPr kumimoji="1" lang="ja-JP" altLang="en-US"/>
+              <a:t>データベース的な挙動は</a:t>
+            </a:r>
+            <a:r>
+              <a:rPr kumimoji="1" lang="en-US" altLang="ja-JP" dirty="0"/>
+              <a:t>Class</a:t>
+            </a:r>
+            <a:r>
+              <a:rPr kumimoji="1" lang="ja-JP" altLang="en-US"/>
+              <a:t>内で制御する</a:t>
+            </a:r>
+          </a:p>
+        </p:txBody>
+      </p:sp>
+    </p:spTree>
+    <p:extLst>
+      <p:ext uri="{BB962C8B-B14F-4D97-AF65-F5344CB8AC3E}">
+        <p14:creationId xmlns:p14="http://schemas.microsoft.com/office/powerpoint/2010/main" val="1338274209"/>
+      </p:ext>
+    </p:extLst>
+  </p:cSld>
+  <p:clrMapOvr>
+    <a:masterClrMapping/>
+  </p:clrMapOvr>
+</p:sld>
+</file>
+
+<file path=ppt/slides/slide14.xml><?xml version="1.0" encoding="utf-8"?>
+<p:sld xmlns:a="http://schemas.openxmlformats.org/drawingml/2006/main" xmlns:r="http://schemas.openxmlformats.org/officeDocument/2006/relationships" xmlns:p="http://schemas.openxmlformats.org/presentationml/2006/main">
+  <p:cSld>
+    <p:spTree>
+      <p:nvGrpSpPr>
+        <p:cNvPr id="1" name=""/>
+        <p:cNvGrpSpPr/>
+        <p:nvPr/>
+      </p:nvGrpSpPr>
+      <p:grpSpPr>
+        <a:xfrm>
+          <a:off x="0" y="0"/>
+          <a:ext cx="0" cy="0"/>
+          <a:chOff x="0" y="0"/>
+          <a:chExt cx="0" cy="0"/>
+        </a:xfrm>
+      </p:grpSpPr>
+      <p:sp>
+        <p:nvSpPr>
+          <p:cNvPr id="2" name="タイトル 1">
+            <a:extLst>
+              <a:ext uri="{FF2B5EF4-FFF2-40B4-BE49-F238E27FC236}">
+                <a16:creationId xmlns:a16="http://schemas.microsoft.com/office/drawing/2014/main" id="{7262EDE4-065E-F54D-86BD-994577FE1815}"/>
+              </a:ext>
+            </a:extLst>
+          </p:cNvPr>
+          <p:cNvSpPr>
+            <a:spLocks noGrp="1"/>
+          </p:cNvSpPr>
+          <p:nvPr>
+            <p:ph type="title"/>
+          </p:nvPr>
+        </p:nvSpPr>
+        <p:spPr/>
+        <p:txBody>
+          <a:bodyPr/>
+          <a:lstStyle/>
+          <a:p>
+            <a:r>
+              <a:rPr lang="ja-JP" altLang="en-US"/>
+              <a:t>ソフトの存在意義</a:t>
+            </a:r>
+            <a:endParaRPr kumimoji="1" lang="ja-JP" altLang="en-US"/>
+          </a:p>
+        </p:txBody>
+      </p:sp>
+      <p:sp>
+        <p:nvSpPr>
+          <p:cNvPr id="3" name="コンテンツ プレースホルダー 2">
+            <a:extLst>
+              <a:ext uri="{FF2B5EF4-FFF2-40B4-BE49-F238E27FC236}">
+                <a16:creationId xmlns:a16="http://schemas.microsoft.com/office/drawing/2014/main" id="{654EE365-969E-F44B-BBAB-C541CAF13A5C}"/>
+              </a:ext>
+            </a:extLst>
+          </p:cNvPr>
+          <p:cNvSpPr>
+            <a:spLocks noGrp="1"/>
+          </p:cNvSpPr>
+          <p:nvPr>
+            <p:ph idx="1"/>
+          </p:nvPr>
+        </p:nvSpPr>
+        <p:spPr/>
+        <p:txBody>
+          <a:bodyPr/>
+          <a:lstStyle/>
+          <a:p>
+            <a:r>
+              <a:rPr kumimoji="1" lang="en-US" altLang="ja-JP" dirty="0"/>
+              <a:t>VCF</a:t>
+            </a:r>
+            <a:r>
+              <a:rPr kumimoji="1" lang="ja-JP" altLang="en-US"/>
+              <a:t>ファイルのフィルタリング処理は</a:t>
+            </a:r>
+            <a:r>
+              <a:rPr lang="ja-JP" altLang="en-US"/>
+              <a:t>コーディング</a:t>
+            </a:r>
+            <a:r>
+              <a:rPr kumimoji="1" lang="ja-JP" altLang="en-US"/>
+              <a:t>時間がかかる</a:t>
+            </a:r>
+            <a:endParaRPr kumimoji="1" lang="en-US" altLang="ja-JP" dirty="0"/>
+          </a:p>
+          <a:p>
+            <a:r>
+              <a:rPr lang="ja-JP" altLang="en-US"/>
+              <a:t>インフォマティシャン個々人でスクリプトを書いている状況で、分野全体としての時間ロスが大きい（はず）</a:t>
+            </a:r>
+            <a:endParaRPr lang="en-US" altLang="ja-JP" dirty="0"/>
+          </a:p>
+          <a:p>
+            <a:r>
+              <a:rPr kumimoji="1" lang="en-US" altLang="ja-JP" dirty="0"/>
+              <a:t>SV</a:t>
+            </a:r>
+            <a:r>
+              <a:rPr kumimoji="1" lang="ja-JP" altLang="en-US"/>
+              <a:t>の</a:t>
+            </a:r>
+            <a:r>
+              <a:rPr kumimoji="1" lang="en-US" altLang="ja-JP" dirty="0"/>
+              <a:t>3</a:t>
+            </a:r>
+            <a:r>
+              <a:rPr kumimoji="1" lang="ja-JP" altLang="en-US"/>
+              <a:t>次解析をスクリプト言語上で支援するツールが少ない</a:t>
+            </a:r>
+            <a:endParaRPr kumimoji="1" lang="en-US" altLang="ja-JP" dirty="0"/>
+          </a:p>
+          <a:p>
+            <a:r>
+              <a:rPr lang="en-US" altLang="ja-JP" dirty="0"/>
+              <a:t>merge, annotation</a:t>
+            </a:r>
+          </a:p>
+          <a:p>
+            <a:r>
+              <a:rPr kumimoji="1" lang="en-US" altLang="ja-JP" dirty="0"/>
+              <a:t>Python</a:t>
+            </a:r>
+            <a:r>
+              <a:rPr kumimoji="1" lang="ja-JP" altLang="en-US"/>
+              <a:t>ワールドに載せることによる拡張性</a:t>
+            </a:r>
+            <a:endParaRPr kumimoji="1" lang="en-US" altLang="ja-JP" dirty="0"/>
+          </a:p>
+        </p:txBody>
+      </p:sp>
+    </p:spTree>
+    <p:extLst>
+      <p:ext uri="{BB962C8B-B14F-4D97-AF65-F5344CB8AC3E}">
+        <p14:creationId xmlns:p14="http://schemas.microsoft.com/office/powerpoint/2010/main" val="4256033377"/>
+      </p:ext>
+    </p:extLst>
+  </p:cSld>
+  <p:clrMapOvr>
+    <a:masterClrMapping/>
+  </p:clrMapOvr>
+</p:sld>
+</file>
+
+<file path=ppt/slides/slide15.xml><?xml version="1.0" encoding="utf-8"?>
+<p:sld xmlns:a="http://schemas.openxmlformats.org/drawingml/2006/main" xmlns:r="http://schemas.openxmlformats.org/officeDocument/2006/relationships" xmlns:p="http://schemas.openxmlformats.org/presentationml/2006/main">
+  <p:cSld>
+    <p:spTree>
+      <p:nvGrpSpPr>
+        <p:cNvPr id="1" name=""/>
+        <p:cNvGrpSpPr/>
+        <p:nvPr/>
+      </p:nvGrpSpPr>
+      <p:grpSpPr>
+        <a:xfrm>
+          <a:off x="0" y="0"/>
+          <a:ext cx="0" cy="0"/>
+          <a:chOff x="0" y="0"/>
+          <a:chExt cx="0" cy="0"/>
+        </a:xfrm>
+      </p:grpSpPr>
+      <p:sp>
+        <p:nvSpPr>
+          <p:cNvPr id="2" name="タイトル 1">
+            <a:extLst>
+              <a:ext uri="{FF2B5EF4-FFF2-40B4-BE49-F238E27FC236}">
+                <a16:creationId xmlns:a16="http://schemas.microsoft.com/office/drawing/2014/main" id="{BA96F779-03D9-8E4F-BB38-FAB6CDB97A55}"/>
+              </a:ext>
+            </a:extLst>
+          </p:cNvPr>
+          <p:cNvSpPr>
+            <a:spLocks noGrp="1"/>
+          </p:cNvSpPr>
+          <p:nvPr>
+            <p:ph type="title"/>
+          </p:nvPr>
+        </p:nvSpPr>
+        <p:spPr/>
+        <p:txBody>
+          <a:bodyPr/>
+          <a:lstStyle/>
+          <a:p>
+            <a:endParaRPr kumimoji="1" lang="ja-JP" altLang="en-US"/>
+          </a:p>
+        </p:txBody>
+      </p:sp>
+      <p:sp>
+        <p:nvSpPr>
+          <p:cNvPr id="3" name="コンテンツ プレースホルダー 2">
+            <a:extLst>
+              <a:ext uri="{FF2B5EF4-FFF2-40B4-BE49-F238E27FC236}">
+                <a16:creationId xmlns:a16="http://schemas.microsoft.com/office/drawing/2014/main" id="{D834D438-B9DF-7244-9BB7-14B8C0549730}"/>
+              </a:ext>
+            </a:extLst>
+          </p:cNvPr>
+          <p:cNvSpPr>
+            <a:spLocks noGrp="1"/>
+          </p:cNvSpPr>
+          <p:nvPr>
+            <p:ph idx="1"/>
+          </p:nvPr>
+        </p:nvSpPr>
+        <p:spPr/>
+        <p:txBody>
+          <a:bodyPr/>
+          <a:lstStyle/>
+          <a:p>
+            <a:r>
+              <a:rPr kumimoji="1" lang="ja-JP" altLang="en-US"/>
+              <a:t>そもそも</a:t>
+            </a:r>
+            <a:r>
+              <a:rPr kumimoji="1" lang="en-US" altLang="ja-JP" dirty="0"/>
+              <a:t>SV signature</a:t>
+            </a:r>
+            <a:r>
+              <a:rPr kumimoji="1" lang="ja-JP" altLang="en-US"/>
+              <a:t>を考える時に、複雑なクラス分けは必要なのか？</a:t>
+            </a:r>
+            <a:endParaRPr kumimoji="1" lang="en-US" altLang="ja-JP" dirty="0"/>
+          </a:p>
+          <a:p>
+            <a:r>
+              <a:rPr kumimoji="1" lang="ja-JP" altLang="en-US"/>
+              <a:t>変異の大きさと</a:t>
+            </a:r>
+            <a:r>
+              <a:rPr kumimoji="1" lang="en-US" altLang="ja-JP" dirty="0"/>
+              <a:t>balanced</a:t>
+            </a:r>
+            <a:r>
+              <a:rPr kumimoji="1" lang="ja-JP" altLang="en-US"/>
+              <a:t>かどうかがわかれば十分なのでは？？</a:t>
+            </a:r>
+          </a:p>
+        </p:txBody>
+      </p:sp>
+    </p:spTree>
+    <p:extLst>
+      <p:ext uri="{BB962C8B-B14F-4D97-AF65-F5344CB8AC3E}">
+        <p14:creationId xmlns:p14="http://schemas.microsoft.com/office/powerpoint/2010/main" val="1478839342"/>
+      </p:ext>
+    </p:extLst>
+  </p:cSld>
+  <p:clrMapOvr>
+    <a:masterClrMapping/>
+  </p:clrMapOvr>
+</p:sld>
+</file>
+
+<file path=ppt/slides/slide16.xml><?xml version="1.0" encoding="utf-8"?>
+<p:sld xmlns:a="http://schemas.openxmlformats.org/drawingml/2006/main" xmlns:r="http://schemas.openxmlformats.org/officeDocument/2006/relationships" xmlns:p="http://schemas.openxmlformats.org/presentationml/2006/main">
+  <p:cSld>
+    <p:spTree>
+      <p:nvGrpSpPr>
+        <p:cNvPr id="1" name=""/>
+        <p:cNvGrpSpPr/>
+        <p:nvPr/>
+      </p:nvGrpSpPr>
+      <p:grpSpPr>
+        <a:xfrm>
+          <a:off x="0" y="0"/>
+          <a:ext cx="0" cy="0"/>
+          <a:chOff x="0" y="0"/>
+          <a:chExt cx="0" cy="0"/>
+        </a:xfrm>
+      </p:grpSpPr>
+      <p:sp>
+        <p:nvSpPr>
+          <p:cNvPr id="2" name="タイトル 1">
+            <a:extLst>
+              <a:ext uri="{FF2B5EF4-FFF2-40B4-BE49-F238E27FC236}">
+                <a16:creationId xmlns:a16="http://schemas.microsoft.com/office/drawing/2014/main" id="{5006D832-E6BA-854A-A4E8-DCB7D4B338CB}"/>
+              </a:ext>
+            </a:extLst>
+          </p:cNvPr>
+          <p:cNvSpPr>
+            <a:spLocks noGrp="1"/>
+          </p:cNvSpPr>
+          <p:nvPr>
+            <p:ph type="title"/>
+          </p:nvPr>
+        </p:nvSpPr>
+        <p:spPr/>
+        <p:txBody>
+          <a:bodyPr/>
+          <a:lstStyle/>
+          <a:p>
+            <a:r>
+              <a:rPr kumimoji="1" lang="en-US" altLang="ja-JP" dirty="0"/>
+              <a:t>On Going</a:t>
+            </a:r>
+            <a:r>
+              <a:rPr kumimoji="1" lang="ja-JP" altLang="en-US"/>
+              <a:t>な課題</a:t>
+            </a:r>
+          </a:p>
+        </p:txBody>
+      </p:sp>
+      <p:sp>
+        <p:nvSpPr>
+          <p:cNvPr id="3" name="コンテンツ プレースホルダー 2">
+            <a:extLst>
+              <a:ext uri="{FF2B5EF4-FFF2-40B4-BE49-F238E27FC236}">
+                <a16:creationId xmlns:a16="http://schemas.microsoft.com/office/drawing/2014/main" id="{E4A7970B-99F9-534C-B70A-7A8C153F0B8D}"/>
+              </a:ext>
+            </a:extLst>
+          </p:cNvPr>
+          <p:cNvSpPr>
+            <a:spLocks noGrp="1"/>
+          </p:cNvSpPr>
+          <p:nvPr>
+            <p:ph idx="1"/>
+          </p:nvPr>
+        </p:nvSpPr>
+        <p:spPr/>
+        <p:txBody>
+          <a:bodyPr/>
+          <a:lstStyle/>
+          <a:p>
+            <a:r>
+              <a:rPr kumimoji="1" lang="en-US" altLang="ja-JP" dirty="0" err="1"/>
+              <a:t>read_vcf</a:t>
+            </a:r>
+            <a:r>
+              <a:rPr kumimoji="1" lang="ja-JP" altLang="en-US"/>
+              <a:t>がめっちゃ遅い！！！</a:t>
+            </a:r>
+          </a:p>
+        </p:txBody>
+      </p:sp>
+    </p:spTree>
+    <p:extLst>
+      <p:ext uri="{BB962C8B-B14F-4D97-AF65-F5344CB8AC3E}">
+        <p14:creationId xmlns:p14="http://schemas.microsoft.com/office/powerpoint/2010/main" val="36454214"/>
+      </p:ext>
+    </p:extLst>
+  </p:cSld>
+  <p:clrMapOvr>
+    <a:masterClrMapping/>
+  </p:clrMapOvr>
+</p:sld>
+</file>
+
+<file path=ppt/slides/slide17.xml><?xml version="1.0" encoding="utf-8"?>
+<p:sld xmlns:a="http://schemas.openxmlformats.org/drawingml/2006/main" xmlns:r="http://schemas.openxmlformats.org/officeDocument/2006/relationships" xmlns:p="http://schemas.openxmlformats.org/presentationml/2006/main">
+  <p:cSld>
+    <p:spTree>
+      <p:nvGrpSpPr>
+        <p:cNvPr id="1" name=""/>
+        <p:cNvGrpSpPr/>
+        <p:nvPr/>
+      </p:nvGrpSpPr>
+      <p:grpSpPr>
+        <a:xfrm>
+          <a:off x="0" y="0"/>
+          <a:ext cx="0" cy="0"/>
+          <a:chOff x="0" y="0"/>
+          <a:chExt cx="0" cy="0"/>
+        </a:xfrm>
+      </p:grpSpPr>
+      <p:sp>
+        <p:nvSpPr>
+          <p:cNvPr id="2" name="タイトル 1">
+            <a:extLst>
+              <a:ext uri="{FF2B5EF4-FFF2-40B4-BE49-F238E27FC236}">
+                <a16:creationId xmlns:a16="http://schemas.microsoft.com/office/drawing/2014/main" id="{B8DD84E5-B1A1-0A4C-916B-B63DF156B738}"/>
+              </a:ext>
+            </a:extLst>
+          </p:cNvPr>
+          <p:cNvSpPr>
+            <a:spLocks noGrp="1"/>
+          </p:cNvSpPr>
+          <p:nvPr>
+            <p:ph type="title"/>
+          </p:nvPr>
+        </p:nvSpPr>
+        <p:spPr/>
+        <p:txBody>
+          <a:bodyPr/>
+          <a:lstStyle/>
+          <a:p>
+            <a:r>
+              <a:rPr kumimoji="1" lang="ja-JP" altLang="en-US"/>
+              <a:t>主な競合</a:t>
+            </a:r>
+          </a:p>
+        </p:txBody>
+      </p:sp>
+      <p:sp>
+        <p:nvSpPr>
+          <p:cNvPr id="3" name="コンテンツ プレースホルダー 2">
+            <a:extLst>
+              <a:ext uri="{FF2B5EF4-FFF2-40B4-BE49-F238E27FC236}">
+                <a16:creationId xmlns:a16="http://schemas.microsoft.com/office/drawing/2014/main" id="{B5CA4BDA-CBD3-3745-B4A4-1F6816EA8052}"/>
+              </a:ext>
+            </a:extLst>
+          </p:cNvPr>
+          <p:cNvSpPr>
+            <a:spLocks noGrp="1"/>
+          </p:cNvSpPr>
+          <p:nvPr>
+            <p:ph idx="1"/>
+          </p:nvPr>
+        </p:nvSpPr>
+        <p:spPr/>
+        <p:txBody>
+          <a:bodyPr/>
+          <a:lstStyle/>
+          <a:p>
+            <a:r>
+              <a:rPr kumimoji="1" lang="en-US" altLang="ja-JP" dirty="0" err="1"/>
+              <a:t>PyVCF</a:t>
+            </a:r>
+            <a:r>
+              <a:rPr kumimoji="1" lang="en-US" altLang="ja-JP" dirty="0"/>
+              <a:t>(</a:t>
+            </a:r>
+            <a:r>
+              <a:rPr kumimoji="1" lang="ja-JP" altLang="en-US"/>
+              <a:t>依存することにした</a:t>
+            </a:r>
+            <a:r>
+              <a:rPr kumimoji="1" lang="en-US" altLang="ja-JP" dirty="0"/>
+              <a:t>)</a:t>
+            </a:r>
+          </a:p>
+          <a:p>
+            <a:r>
+              <a:rPr lang="en-US" altLang="ja-JP" dirty="0"/>
+              <a:t>VCF Explorer(GUI</a:t>
+            </a:r>
+            <a:r>
+              <a:rPr lang="ja-JP" altLang="en-US"/>
+              <a:t>ソフト。</a:t>
+            </a:r>
+            <a:r>
+              <a:rPr lang="en-US" altLang="ja-JP" dirty="0"/>
+              <a:t>SV</a:t>
+            </a:r>
+            <a:r>
+              <a:rPr lang="ja-JP" altLang="en-US"/>
+              <a:t>特化ではない</a:t>
+            </a:r>
+            <a:r>
+              <a:rPr lang="en-US" altLang="ja-JP" dirty="0"/>
+              <a:t>)</a:t>
+            </a:r>
+          </a:p>
+          <a:p>
+            <a:r>
+              <a:rPr kumimoji="1" lang="en-US" altLang="ja-JP" dirty="0" err="1"/>
+              <a:t>Annot</a:t>
+            </a:r>
+            <a:r>
+              <a:rPr lang="en-US" altLang="ja-JP" dirty="0" err="1"/>
+              <a:t>SV</a:t>
+            </a:r>
+            <a:endParaRPr lang="en-US" altLang="ja-JP" dirty="0"/>
+          </a:p>
+          <a:p>
+            <a:r>
+              <a:rPr kumimoji="1" lang="en-US" altLang="ja-JP" dirty="0" err="1"/>
+              <a:t>StructuralVariationAnnotation</a:t>
+            </a:r>
+            <a:r>
+              <a:rPr kumimoji="1" lang="en-US" altLang="ja-JP" dirty="0"/>
+              <a:t>(R package)</a:t>
+            </a:r>
+          </a:p>
+          <a:p>
+            <a:r>
+              <a:rPr kumimoji="1" lang="en-US" altLang="ja-JP" dirty="0" err="1"/>
+              <a:t>pyCancer</a:t>
+            </a:r>
+            <a:r>
+              <a:rPr lang="en-US" altLang="ja-JP" dirty="0" err="1"/>
+              <a:t>Sig</a:t>
+            </a:r>
+            <a:endParaRPr kumimoji="1" lang="ja-JP" altLang="en-US"/>
+          </a:p>
+        </p:txBody>
+      </p:sp>
+      <p:pic>
+        <p:nvPicPr>
+          <p:cNvPr id="5" name="図 4" descr="グラフィカル ユーザー インターフェイス, テキスト, アプリケーション, メール&#10;&#10;自動的に生成された説明">
+            <a:extLst>
+              <a:ext uri="{FF2B5EF4-FFF2-40B4-BE49-F238E27FC236}">
+                <a16:creationId xmlns:a16="http://schemas.microsoft.com/office/drawing/2014/main" id="{04B3CB06-24DD-6948-9640-3BA93811A588}"/>
+              </a:ext>
+            </a:extLst>
+          </p:cNvPr>
+          <p:cNvPicPr>
+            <a:picLocks noChangeAspect="1"/>
+          </p:cNvPicPr>
+          <p:nvPr/>
+        </p:nvPicPr>
+        <p:blipFill>
+          <a:blip r:embed="rId2"/>
+          <a:stretch>
+            <a:fillRect/>
+          </a:stretch>
+        </p:blipFill>
+        <p:spPr>
+          <a:xfrm>
+            <a:off x="838200" y="4284350"/>
+            <a:ext cx="6500882" cy="2573650"/>
+          </a:xfrm>
+          <a:prstGeom prst="rect">
+            <a:avLst/>
+          </a:prstGeom>
+        </p:spPr>
+      </p:pic>
+    </p:spTree>
+    <p:extLst>
+      <p:ext uri="{BB962C8B-B14F-4D97-AF65-F5344CB8AC3E}">
+        <p14:creationId xmlns:p14="http://schemas.microsoft.com/office/powerpoint/2010/main" val="2415032305"/>
+      </p:ext>
+    </p:extLst>
+  </p:cSld>
+  <p:clrMapOvr>
+    <a:masterClrMapping/>
+  </p:clrMapOvr>
+</p:sld>
+</file>
+
+<file path=ppt/slides/slide2.xml><?xml version="1.0" encoding="utf-8"?>
+<p:sld xmlns:a="http://schemas.openxmlformats.org/drawingml/2006/main" xmlns:r="http://schemas.openxmlformats.org/officeDocument/2006/relationships" xmlns:p="http://schemas.openxmlformats.org/presentationml/2006/main">
+  <p:cSld>
+    <p:spTree>
+      <p:nvGrpSpPr>
+        <p:cNvPr id="1" name=""/>
+        <p:cNvGrpSpPr/>
+        <p:nvPr/>
+      </p:nvGrpSpPr>
+      <p:grpSpPr>
+        <a:xfrm>
+          <a:off x="0" y="0"/>
+          <a:ext cx="0" cy="0"/>
+          <a:chOff x="0" y="0"/>
+          <a:chExt cx="0" cy="0"/>
+        </a:xfrm>
+      </p:grpSpPr>
+      <p:sp>
+        <p:nvSpPr>
+          <p:cNvPr id="2" name="タイトル 1">
+            <a:extLst>
+              <a:ext uri="{FF2B5EF4-FFF2-40B4-BE49-F238E27FC236}">
+                <a16:creationId xmlns:a16="http://schemas.microsoft.com/office/drawing/2014/main" id="{7AFFC6EA-F079-5D4E-9166-9E3FCEB0BE70}"/>
+              </a:ext>
+            </a:extLst>
+          </p:cNvPr>
+          <p:cNvSpPr>
+            <a:spLocks noGrp="1"/>
+          </p:cNvSpPr>
+          <p:nvPr>
+            <p:ph type="title"/>
+          </p:nvPr>
+        </p:nvSpPr>
+        <p:spPr/>
+        <p:txBody>
+          <a:bodyPr/>
+          <a:lstStyle/>
+          <a:p>
+            <a:r>
+              <a:rPr kumimoji="1" lang="en-US" altLang="ja-JP" dirty="0"/>
+              <a:t>Topic</a:t>
+            </a:r>
+            <a:endParaRPr kumimoji="1" lang="ja-JP" altLang="en-US"/>
+          </a:p>
+        </p:txBody>
+      </p:sp>
+      <p:sp>
+        <p:nvSpPr>
+          <p:cNvPr id="3" name="コンテンツ プレースホルダー 2">
+            <a:extLst>
+              <a:ext uri="{FF2B5EF4-FFF2-40B4-BE49-F238E27FC236}">
+                <a16:creationId xmlns:a16="http://schemas.microsoft.com/office/drawing/2014/main" id="{843026F0-1233-DD49-91E3-ABB3FF48B677}"/>
+              </a:ext>
+            </a:extLst>
+          </p:cNvPr>
+          <p:cNvSpPr>
+            <a:spLocks noGrp="1"/>
+          </p:cNvSpPr>
+          <p:nvPr>
+            <p:ph idx="1"/>
+          </p:nvPr>
+        </p:nvSpPr>
+        <p:spPr/>
+        <p:txBody>
+          <a:bodyPr/>
+          <a:lstStyle/>
+          <a:p>
+            <a:r>
+              <a:rPr kumimoji="1" lang="en-US" altLang="ja-JP" dirty="0"/>
+              <a:t>Background &amp; Motivation</a:t>
+            </a:r>
+          </a:p>
+          <a:p>
+            <a:r>
+              <a:rPr kumimoji="1" lang="en-US" altLang="ja-JP" dirty="0"/>
+              <a:t>Requirement definitions</a:t>
+            </a:r>
+            <a:endParaRPr kumimoji="1" lang="ja-JP" altLang="en-US"/>
+          </a:p>
+        </p:txBody>
+      </p:sp>
+    </p:spTree>
+    <p:extLst>
+      <p:ext uri="{BB962C8B-B14F-4D97-AF65-F5344CB8AC3E}">
+        <p14:creationId xmlns:p14="http://schemas.microsoft.com/office/powerpoint/2010/main" val="2031150276"/>
+      </p:ext>
+    </p:extLst>
+  </p:cSld>
+  <p:clrMapOvr>
+    <a:masterClrMapping/>
+  </p:clrMapOvr>
+</p:sld>
+</file>
+
+<file path=ppt/slides/slide3.xml><?xml version="1.0" encoding="utf-8"?>
+<p:sld xmlns:a="http://schemas.openxmlformats.org/drawingml/2006/main" xmlns:r="http://schemas.openxmlformats.org/officeDocument/2006/relationships" xmlns:p="http://schemas.openxmlformats.org/presentationml/2006/main">
+  <p:cSld>
+    <p:spTree>
+      <p:nvGrpSpPr>
+        <p:cNvPr id="1" name=""/>
+        <p:cNvGrpSpPr/>
+        <p:nvPr/>
+      </p:nvGrpSpPr>
+      <p:grpSpPr>
+        <a:xfrm>
+          <a:off x="0" y="0"/>
+          <a:ext cx="0" cy="0"/>
+          <a:chOff x="0" y="0"/>
+          <a:chExt cx="0" cy="0"/>
+        </a:xfrm>
+      </p:grpSpPr>
+      <p:sp>
+        <p:nvSpPr>
+          <p:cNvPr id="2" name="タイトル 1">
+            <a:extLst>
+              <a:ext uri="{FF2B5EF4-FFF2-40B4-BE49-F238E27FC236}">
+                <a16:creationId xmlns:a16="http://schemas.microsoft.com/office/drawing/2014/main" id="{127018D8-7E4C-614C-ACFF-A80448A8CAAD}"/>
+              </a:ext>
+            </a:extLst>
+          </p:cNvPr>
+          <p:cNvSpPr>
+            <a:spLocks noGrp="1"/>
+          </p:cNvSpPr>
+          <p:nvPr>
+            <p:ph type="title"/>
+          </p:nvPr>
+        </p:nvSpPr>
+        <p:spPr/>
+        <p:txBody>
+          <a:bodyPr/>
+          <a:lstStyle/>
+          <a:p>
+            <a:r>
+              <a:rPr lang="en-US" altLang="ja-JP" dirty="0"/>
+              <a:t>DNA mutations</a:t>
+            </a:r>
+            <a:endParaRPr kumimoji="1" lang="ja-JP" altLang="en-US"/>
+          </a:p>
+        </p:txBody>
+      </p:sp>
+      <p:sp>
+        <p:nvSpPr>
+          <p:cNvPr id="3" name="コンテンツ プレースホルダー 2">
+            <a:extLst>
+              <a:ext uri="{FF2B5EF4-FFF2-40B4-BE49-F238E27FC236}">
+                <a16:creationId xmlns:a16="http://schemas.microsoft.com/office/drawing/2014/main" id="{87A0A4BB-6B79-0A47-A46E-D7FBF008ABED}"/>
+              </a:ext>
+            </a:extLst>
+          </p:cNvPr>
+          <p:cNvSpPr>
+            <a:spLocks noGrp="1"/>
+          </p:cNvSpPr>
+          <p:nvPr>
+            <p:ph idx="1"/>
+          </p:nvPr>
+        </p:nvSpPr>
+        <p:spPr>
+          <a:xfrm>
+            <a:off x="838200" y="1825625"/>
+            <a:ext cx="6296247" cy="4351338"/>
+          </a:xfrm>
+        </p:spPr>
+        <p:txBody>
+          <a:bodyPr/>
+          <a:lstStyle/>
+          <a:p>
+            <a:r>
+              <a:rPr lang="en-US" altLang="ja-JP" dirty="0"/>
+              <a:t>Single nucleotide variation(SNV)</a:t>
+            </a:r>
+          </a:p>
+          <a:p>
+            <a:r>
+              <a:rPr lang="en-US" altLang="ja-JP" dirty="0"/>
+              <a:t>Indel</a:t>
+            </a:r>
+          </a:p>
+          <a:p>
+            <a:r>
+              <a:rPr lang="en-US" altLang="ja-JP" dirty="0"/>
+              <a:t>Structural Variation</a:t>
+            </a:r>
+          </a:p>
+        </p:txBody>
+      </p:sp>
+      <p:pic>
+        <p:nvPicPr>
+          <p:cNvPr id="1026" name="Picture 2">
+            <a:extLst>
+              <a:ext uri="{FF2B5EF4-FFF2-40B4-BE49-F238E27FC236}">
+                <a16:creationId xmlns:a16="http://schemas.microsoft.com/office/drawing/2014/main" id="{18B3F1E3-B2CA-FD47-ACDA-3D3BA6C115BA}"/>
+              </a:ext>
+            </a:extLst>
+          </p:cNvPr>
+          <p:cNvPicPr>
+            <a:picLocks noChangeAspect="1" noChangeArrowheads="1"/>
+          </p:cNvPicPr>
+          <p:nvPr/>
+        </p:nvPicPr>
+        <p:blipFill>
+          <a:blip r:embed="rId2">
+            <a:extLst>
+              <a:ext uri="{28A0092B-C50C-407E-A947-70E740481C1C}">
+                <a14:useLocalDpi xmlns:a14="http://schemas.microsoft.com/office/drawing/2010/main" val="0"/>
+              </a:ext>
+            </a:extLst>
+          </a:blip>
+          <a:srcRect/>
+          <a:stretch>
+            <a:fillRect/>
+          </a:stretch>
+        </p:blipFill>
+        <p:spPr bwMode="auto">
+          <a:xfrm>
+            <a:off x="6823880" y="502659"/>
+            <a:ext cx="4904096" cy="2645931"/>
+          </a:xfrm>
+          <a:prstGeom prst="rect">
+            <a:avLst/>
+          </a:prstGeom>
+          <a:noFill/>
+          <a:extLst>
+            <a:ext uri="{909E8E84-426E-40DD-AFC4-6F175D3DCCD1}">
+              <a14:hiddenFill xmlns:a14="http://schemas.microsoft.com/office/drawing/2010/main">
+                <a:solidFill>
+                  <a:srgbClr val="FFFFFF"/>
+                </a:solidFill>
+              </a14:hiddenFill>
+            </a:ext>
+          </a:extLst>
+        </p:spPr>
+      </p:pic>
+      <p:pic>
+        <p:nvPicPr>
+          <p:cNvPr id="1028" name="Picture 4">
+            <a:extLst>
+              <a:ext uri="{FF2B5EF4-FFF2-40B4-BE49-F238E27FC236}">
+                <a16:creationId xmlns:a16="http://schemas.microsoft.com/office/drawing/2014/main" id="{DC320DA8-1483-1D45-9212-29B49A538B72}"/>
+              </a:ext>
+            </a:extLst>
+          </p:cNvPr>
+          <p:cNvPicPr>
+            <a:picLocks noChangeAspect="1" noChangeArrowheads="1"/>
+          </p:cNvPicPr>
+          <p:nvPr/>
+        </p:nvPicPr>
+        <p:blipFill>
+          <a:blip r:embed="rId3">
+            <a:extLst>
+              <a:ext uri="{28A0092B-C50C-407E-A947-70E740481C1C}">
+                <a14:useLocalDpi xmlns:a14="http://schemas.microsoft.com/office/drawing/2010/main" val="0"/>
+              </a:ext>
+            </a:extLst>
+          </a:blip>
+          <a:srcRect/>
+          <a:stretch>
+            <a:fillRect/>
+          </a:stretch>
+        </p:blipFill>
+        <p:spPr bwMode="auto">
+          <a:xfrm>
+            <a:off x="7017128" y="3812323"/>
+            <a:ext cx="4517599" cy="2515725"/>
+          </a:xfrm>
+          <a:prstGeom prst="rect">
+            <a:avLst/>
+          </a:prstGeom>
+          <a:noFill/>
+          <a:extLst>
+            <a:ext uri="{909E8E84-426E-40DD-AFC4-6F175D3DCCD1}">
+              <a14:hiddenFill xmlns:a14="http://schemas.microsoft.com/office/drawing/2010/main">
+                <a:solidFill>
+                  <a:srgbClr val="FFFFFF"/>
+                </a:solidFill>
+              </a14:hiddenFill>
+            </a:ext>
+          </a:extLst>
+        </p:spPr>
+      </p:pic>
+    </p:spTree>
+    <p:extLst>
+      <p:ext uri="{BB962C8B-B14F-4D97-AF65-F5344CB8AC3E}">
+        <p14:creationId xmlns:p14="http://schemas.microsoft.com/office/powerpoint/2010/main" val="167105926"/>
+      </p:ext>
+    </p:extLst>
+  </p:cSld>
+  <p:clrMapOvr>
+    <a:masterClrMapping/>
+  </p:clrMapOvr>
+</p:sld>
+</file>
+
+<file path=ppt/slides/slide4.xml><?xml version="1.0" encoding="utf-8"?>
+<p:sld xmlns:a="http://schemas.openxmlformats.org/drawingml/2006/main" xmlns:r="http://schemas.openxmlformats.org/officeDocument/2006/relationships" xmlns:p="http://schemas.openxmlformats.org/presentationml/2006/main">
+  <p:cSld>
+    <p:spTree>
+      <p:nvGrpSpPr>
+        <p:cNvPr id="1" name=""/>
+        <p:cNvGrpSpPr/>
+        <p:nvPr/>
+      </p:nvGrpSpPr>
+      <p:grpSpPr>
+        <a:xfrm>
+          <a:off x="0" y="0"/>
+          <a:ext cx="0" cy="0"/>
+          <a:chOff x="0" y="0"/>
+          <a:chExt cx="0" cy="0"/>
+        </a:xfrm>
+      </p:grpSpPr>
+      <p:sp>
+        <p:nvSpPr>
+          <p:cNvPr id="2" name="タイトル 1">
+            <a:extLst>
+              <a:ext uri="{FF2B5EF4-FFF2-40B4-BE49-F238E27FC236}">
+                <a16:creationId xmlns:a16="http://schemas.microsoft.com/office/drawing/2014/main" id="{4891F325-47B0-C44E-9E93-404DE4290171}"/>
+              </a:ext>
+            </a:extLst>
+          </p:cNvPr>
+          <p:cNvSpPr>
+            <a:spLocks noGrp="1"/>
+          </p:cNvSpPr>
+          <p:nvPr>
+            <p:ph type="title"/>
+          </p:nvPr>
+        </p:nvSpPr>
+        <p:spPr/>
+        <p:txBody>
+          <a:bodyPr/>
+          <a:lstStyle/>
+          <a:p>
+            <a:r>
+              <a:rPr kumimoji="1" lang="en-US" altLang="ja-JP" dirty="0"/>
+              <a:t>What is Structural Variation</a:t>
+            </a:r>
+            <a:endParaRPr kumimoji="1" lang="ja-JP" altLang="en-US"/>
+          </a:p>
+        </p:txBody>
+      </p:sp>
+      <p:pic>
+        <p:nvPicPr>
+          <p:cNvPr id="6" name="コンテンツ プレースホルダー 5" descr="ダイアグラム&#10;&#10;自動的に生成された説明">
+            <a:extLst>
+              <a:ext uri="{FF2B5EF4-FFF2-40B4-BE49-F238E27FC236}">
+                <a16:creationId xmlns:a16="http://schemas.microsoft.com/office/drawing/2014/main" id="{7D41D480-3587-C749-8B7F-7238D20145C6}"/>
+              </a:ext>
+            </a:extLst>
+          </p:cNvPr>
+          <p:cNvPicPr>
+            <a:picLocks noGrp="1" noChangeAspect="1"/>
+          </p:cNvPicPr>
+          <p:nvPr>
+            <p:ph idx="1"/>
+          </p:nvPr>
+        </p:nvPicPr>
+        <p:blipFill>
+          <a:blip r:embed="rId2"/>
+          <a:stretch>
+            <a:fillRect/>
+          </a:stretch>
+        </p:blipFill>
+        <p:spPr>
+          <a:xfrm>
+            <a:off x="838200" y="1347953"/>
+            <a:ext cx="9146528" cy="5144922"/>
+          </a:xfrm>
+        </p:spPr>
+      </p:pic>
+    </p:spTree>
+    <p:extLst>
+      <p:ext uri="{BB962C8B-B14F-4D97-AF65-F5344CB8AC3E}">
+        <p14:creationId xmlns:p14="http://schemas.microsoft.com/office/powerpoint/2010/main" val="526488567"/>
+      </p:ext>
+    </p:extLst>
+  </p:cSld>
+  <p:clrMapOvr>
+    <a:masterClrMapping/>
+  </p:clrMapOvr>
+</p:sld>
+</file>
+
 <file path=ppt/slides/slide5.xml><?xml version="1.0" encoding="utf-8"?>
 <p:sld xmlns:a="http://schemas.openxmlformats.org/drawingml/2006/main" xmlns:r="http://schemas.openxmlformats.org/officeDocument/2006/relationships" xmlns:p="http://schemas.openxmlformats.org/presentationml/2006/main">
   <p:cSld>
@@ -5439,7 +6367,7 @@
           <p:cNvPr id="2" name="タイトル 1">
             <a:extLst>
               <a:ext uri="{FF2B5EF4-FFF2-40B4-BE49-F238E27FC236}">
-                <a16:creationId xmlns:a16="http://schemas.microsoft.com/office/drawing/2014/main" id="{629FBA16-8694-054A-B8E4-24AE6BEC15E6}"/>
+                <a16:creationId xmlns:a16="http://schemas.microsoft.com/office/drawing/2014/main" id="{929AAD1E-2E45-FA43-A41A-05D819A93A42}"/>
               </a:ext>
             </a:extLst>
           </p:cNvPr>
@@ -5456,111 +6384,912 @@
           <a:lstStyle/>
           <a:p>
             <a:r>
+              <a:rPr lang="en-US" altLang="ja-JP" dirty="0"/>
+              <a:t>Major challenges in</a:t>
+            </a:r>
+            <a:r>
               <a:rPr kumimoji="1" lang="en-US" altLang="ja-JP" dirty="0"/>
-              <a:t>SV</a:t>
-            </a:r>
-            <a:r>
-              <a:rPr kumimoji="1" lang="ja-JP" altLang="en-US"/>
-              <a:t>解析において重要な情報</a:t>
-            </a:r>
-          </a:p>
-        </p:txBody>
-      </p:sp>
-      <p:sp>
-        <p:nvSpPr>
-          <p:cNvPr id="3" name="コンテンツ プレースホルダー 2">
-            <a:extLst>
-              <a:ext uri="{FF2B5EF4-FFF2-40B4-BE49-F238E27FC236}">
-                <a16:creationId xmlns:a16="http://schemas.microsoft.com/office/drawing/2014/main" id="{4F835BAA-FDF9-DB48-AE9B-1A5E73DEC1CE}"/>
-              </a:ext>
-            </a:extLst>
-          </p:cNvPr>
-          <p:cNvSpPr>
-            <a:spLocks noGrp="1"/>
-          </p:cNvSpPr>
-          <p:nvPr>
-            <p:ph idx="1"/>
-          </p:nvPr>
-        </p:nvSpPr>
-        <p:spPr/>
-        <p:txBody>
-          <a:bodyPr/>
-          <a:lstStyle/>
-          <a:p>
-            <a:r>
-              <a:rPr lang="ja-JP" altLang="en-US"/>
-              <a:t>ブレイクポイントのポジション</a:t>
-            </a:r>
-            <a:endParaRPr lang="en-US" altLang="ja-JP" dirty="0"/>
-          </a:p>
-          <a:p>
-            <a:r>
-              <a:rPr lang="ja-JP" altLang="en-US"/>
-              <a:t>変異クラス</a:t>
-            </a:r>
-            <a:endParaRPr lang="en-US" altLang="ja-JP" dirty="0"/>
-          </a:p>
-          <a:p>
-            <a:r>
-              <a:rPr lang="ja-JP" altLang="en-US"/>
-              <a:t>変異の長さ</a:t>
-            </a:r>
-            <a:endParaRPr lang="en-US" altLang="ja-JP" dirty="0"/>
-          </a:p>
-          <a:p>
-            <a:r>
-              <a:rPr lang="ja-JP" altLang="en-US"/>
-              <a:t>マイクロホモロジーの長さ</a:t>
-            </a:r>
-            <a:endParaRPr lang="en-US" altLang="ja-JP" dirty="0"/>
-          </a:p>
-          <a:p>
-            <a:r>
-              <a:rPr kumimoji="1" lang="ja-JP" altLang="en-US"/>
-              <a:t>サポートリード数</a:t>
-            </a:r>
-            <a:endParaRPr kumimoji="1" lang="en-US" altLang="ja-JP" dirty="0"/>
-          </a:p>
-          <a:p>
-            <a:pPr lvl="1"/>
-            <a:r>
-              <a:rPr kumimoji="1" lang="en-US" altLang="ja-JP" dirty="0"/>
-              <a:t>Paired read</a:t>
-            </a:r>
-          </a:p>
-          <a:p>
-            <a:pPr lvl="1"/>
-            <a:r>
-              <a:rPr kumimoji="1" lang="en-US" altLang="ja-JP" dirty="0"/>
-              <a:t>Split read</a:t>
-            </a:r>
-          </a:p>
-          <a:p>
-            <a:r>
-              <a:rPr kumimoji="1" lang="en-US" altLang="ja-JP" dirty="0"/>
-              <a:t>VAF</a:t>
-            </a:r>
-          </a:p>
-          <a:p>
-            <a:r>
-              <a:rPr kumimoji="1" lang="en-US" altLang="ja-JP" dirty="0"/>
-              <a:t>Caller</a:t>
-            </a:r>
-            <a:r>
-              <a:rPr kumimoji="1" lang="ja-JP" altLang="en-US"/>
-              <a:t>によって付けられたスコア</a:t>
-            </a:r>
-            <a:endParaRPr kumimoji="1" lang="en-US" altLang="ja-JP" dirty="0"/>
-          </a:p>
-          <a:p>
+              <a:t> mutation research</a:t>
+            </a:r>
             <a:endParaRPr kumimoji="1" lang="ja-JP" altLang="en-US"/>
+          </a:p>
+        </p:txBody>
+      </p:sp>
+      <p:sp>
+        <p:nvSpPr>
+          <p:cNvPr id="4" name="角丸四角形 3">
+            <a:extLst>
+              <a:ext uri="{FF2B5EF4-FFF2-40B4-BE49-F238E27FC236}">
+                <a16:creationId xmlns:a16="http://schemas.microsoft.com/office/drawing/2014/main" id="{7FE6038D-3086-FE46-A354-F1642B07B8F0}"/>
+              </a:ext>
+            </a:extLst>
+          </p:cNvPr>
+          <p:cNvSpPr/>
+          <p:nvPr/>
+        </p:nvSpPr>
+        <p:spPr>
+          <a:xfrm>
+            <a:off x="4862623" y="1871331"/>
+            <a:ext cx="2466754" cy="879486"/>
+          </a:xfrm>
+          <a:prstGeom prst="roundRect">
+            <a:avLst/>
+          </a:prstGeom>
+        </p:spPr>
+        <p:style>
+          <a:lnRef idx="2">
+            <a:schemeClr val="dk1"/>
+          </a:lnRef>
+          <a:fillRef idx="1">
+            <a:schemeClr val="lt1"/>
+          </a:fillRef>
+          <a:effectRef idx="0">
+            <a:schemeClr val="dk1"/>
+          </a:effectRef>
+          <a:fontRef idx="minor">
+            <a:schemeClr val="dk1"/>
+          </a:fontRef>
+        </p:style>
+        <p:txBody>
+          <a:bodyPr rtlCol="0" anchor="ctr"/>
+          <a:lstStyle/>
+          <a:p>
+            <a:pPr algn="ctr"/>
+            <a:r>
+              <a:rPr kumimoji="1" lang="en-US" altLang="ja-JP" sz="2800" dirty="0"/>
+              <a:t>Mutations</a:t>
+            </a:r>
+            <a:endParaRPr kumimoji="1" lang="ja-JP" altLang="en-US" sz="2800"/>
+          </a:p>
+        </p:txBody>
+      </p:sp>
+      <p:sp>
+        <p:nvSpPr>
+          <p:cNvPr id="5" name="角丸四角形 4">
+            <a:extLst>
+              <a:ext uri="{FF2B5EF4-FFF2-40B4-BE49-F238E27FC236}">
+                <a16:creationId xmlns:a16="http://schemas.microsoft.com/office/drawing/2014/main" id="{6183311E-769F-AF42-90D5-CF2A93D32671}"/>
+              </a:ext>
+            </a:extLst>
+          </p:cNvPr>
+          <p:cNvSpPr/>
+          <p:nvPr/>
+        </p:nvSpPr>
+        <p:spPr>
+          <a:xfrm>
+            <a:off x="757568" y="1871331"/>
+            <a:ext cx="2750290" cy="879486"/>
+          </a:xfrm>
+          <a:prstGeom prst="roundRect">
+            <a:avLst/>
+          </a:prstGeom>
+        </p:spPr>
+        <p:style>
+          <a:lnRef idx="2">
+            <a:schemeClr val="dk1"/>
+          </a:lnRef>
+          <a:fillRef idx="1">
+            <a:schemeClr val="lt1"/>
+          </a:fillRef>
+          <a:effectRef idx="0">
+            <a:schemeClr val="dk1"/>
+          </a:effectRef>
+          <a:fontRef idx="minor">
+            <a:schemeClr val="dk1"/>
+          </a:fontRef>
+        </p:style>
+        <p:txBody>
+          <a:bodyPr rtlCol="0" anchor="ctr"/>
+          <a:lstStyle/>
+          <a:p>
+            <a:pPr algn="ctr"/>
+            <a:r>
+              <a:rPr lang="en-US" altLang="ja-JP" sz="2800" dirty="0"/>
+              <a:t>Cause</a:t>
+            </a:r>
+            <a:endParaRPr kumimoji="1" lang="ja-JP" altLang="en-US" sz="2800"/>
+          </a:p>
+        </p:txBody>
+      </p:sp>
+      <p:sp>
+        <p:nvSpPr>
+          <p:cNvPr id="6" name="角丸四角形 5">
+            <a:extLst>
+              <a:ext uri="{FF2B5EF4-FFF2-40B4-BE49-F238E27FC236}">
+                <a16:creationId xmlns:a16="http://schemas.microsoft.com/office/drawing/2014/main" id="{73B09E91-E29C-EE44-9698-86BDB4FF83E2}"/>
+              </a:ext>
+            </a:extLst>
+          </p:cNvPr>
+          <p:cNvSpPr/>
+          <p:nvPr/>
+        </p:nvSpPr>
+        <p:spPr>
+          <a:xfrm>
+            <a:off x="8684142" y="1871331"/>
+            <a:ext cx="2753832" cy="879486"/>
+          </a:xfrm>
+          <a:prstGeom prst="roundRect">
+            <a:avLst/>
+          </a:prstGeom>
+        </p:spPr>
+        <p:style>
+          <a:lnRef idx="2">
+            <a:schemeClr val="dk1"/>
+          </a:lnRef>
+          <a:fillRef idx="1">
+            <a:schemeClr val="lt1"/>
+          </a:fillRef>
+          <a:effectRef idx="0">
+            <a:schemeClr val="dk1"/>
+          </a:effectRef>
+          <a:fontRef idx="minor">
+            <a:schemeClr val="dk1"/>
+          </a:fontRef>
+        </p:style>
+        <p:txBody>
+          <a:bodyPr rtlCol="0" anchor="ctr"/>
+          <a:lstStyle/>
+          <a:p>
+            <a:pPr algn="ctr"/>
+            <a:r>
+              <a:rPr lang="en-US" altLang="ja-JP" sz="2800" dirty="0"/>
+              <a:t>Consequence</a:t>
+            </a:r>
+            <a:endParaRPr kumimoji="1" lang="ja-JP" altLang="en-US" sz="2800"/>
+          </a:p>
+        </p:txBody>
+      </p:sp>
+      <p:cxnSp>
+        <p:nvCxnSpPr>
+          <p:cNvPr id="8" name="直線矢印コネクタ 7">
+            <a:extLst>
+              <a:ext uri="{FF2B5EF4-FFF2-40B4-BE49-F238E27FC236}">
+                <a16:creationId xmlns:a16="http://schemas.microsoft.com/office/drawing/2014/main" id="{DC611637-A440-5C42-8D0C-1C1FDC1EC292}"/>
+              </a:ext>
+            </a:extLst>
+          </p:cNvPr>
+          <p:cNvCxnSpPr>
+            <a:cxnSpLocks/>
+          </p:cNvCxnSpPr>
+          <p:nvPr/>
+        </p:nvCxnSpPr>
+        <p:spPr>
+          <a:xfrm>
+            <a:off x="3813100" y="2311074"/>
+            <a:ext cx="800543" cy="0"/>
+          </a:xfrm>
+          <a:prstGeom prst="straightConnector1">
+            <a:avLst/>
+          </a:prstGeom>
+          <a:ln w="19050">
+            <a:tailEnd type="triangle"/>
+          </a:ln>
+        </p:spPr>
+        <p:style>
+          <a:lnRef idx="1">
+            <a:schemeClr val="dk1"/>
+          </a:lnRef>
+          <a:fillRef idx="0">
+            <a:schemeClr val="dk1"/>
+          </a:fillRef>
+          <a:effectRef idx="0">
+            <a:schemeClr val="dk1"/>
+          </a:effectRef>
+          <a:fontRef idx="minor">
+            <a:schemeClr val="tx1"/>
+          </a:fontRef>
+        </p:style>
+      </p:cxnSp>
+      <p:cxnSp>
+        <p:nvCxnSpPr>
+          <p:cNvPr id="11" name="直線矢印コネクタ 10">
+            <a:extLst>
+              <a:ext uri="{FF2B5EF4-FFF2-40B4-BE49-F238E27FC236}">
+                <a16:creationId xmlns:a16="http://schemas.microsoft.com/office/drawing/2014/main" id="{D3CB3BDE-49D1-284F-B54D-F13E0B5F47D5}"/>
+              </a:ext>
+            </a:extLst>
+          </p:cNvPr>
+          <p:cNvCxnSpPr>
+            <a:cxnSpLocks/>
+          </p:cNvCxnSpPr>
+          <p:nvPr/>
+        </p:nvCxnSpPr>
+        <p:spPr>
+          <a:xfrm>
+            <a:off x="7591202" y="2311074"/>
+            <a:ext cx="800543" cy="0"/>
+          </a:xfrm>
+          <a:prstGeom prst="straightConnector1">
+            <a:avLst/>
+          </a:prstGeom>
+          <a:ln w="19050">
+            <a:tailEnd type="triangle"/>
+          </a:ln>
+        </p:spPr>
+        <p:style>
+          <a:lnRef idx="1">
+            <a:schemeClr val="dk1"/>
+          </a:lnRef>
+          <a:fillRef idx="0">
+            <a:schemeClr val="dk1"/>
+          </a:fillRef>
+          <a:effectRef idx="0">
+            <a:schemeClr val="dk1"/>
+          </a:effectRef>
+          <a:fontRef idx="minor">
+            <a:schemeClr val="tx1"/>
+          </a:fontRef>
+        </p:style>
+      </p:cxnSp>
+      <p:sp>
+        <p:nvSpPr>
+          <p:cNvPr id="19" name="フリーフォーム 18">
+            <a:extLst>
+              <a:ext uri="{FF2B5EF4-FFF2-40B4-BE49-F238E27FC236}">
+                <a16:creationId xmlns:a16="http://schemas.microsoft.com/office/drawing/2014/main" id="{F5D14F98-0903-A44F-8B47-69A265E2132A}"/>
+              </a:ext>
+            </a:extLst>
+          </p:cNvPr>
+          <p:cNvSpPr/>
+          <p:nvPr/>
+        </p:nvSpPr>
+        <p:spPr>
+          <a:xfrm>
+            <a:off x="3537984" y="1498853"/>
+            <a:ext cx="5146158" cy="383670"/>
+          </a:xfrm>
+          <a:custGeom>
+            <a:avLst/>
+            <a:gdLst>
+              <a:gd name="connsiteX0" fmla="*/ 5146158 w 5146158"/>
+              <a:gd name="connsiteY0" fmla="*/ 383670 h 383670"/>
+              <a:gd name="connsiteX1" fmla="*/ 2721935 w 5146158"/>
+              <a:gd name="connsiteY1" fmla="*/ 898 h 383670"/>
+              <a:gd name="connsiteX2" fmla="*/ 0 w 5146158"/>
+              <a:gd name="connsiteY2" fmla="*/ 298609 h 383670"/>
+            </a:gdLst>
+            <a:ahLst/>
+            <a:cxnLst>
+              <a:cxn ang="0">
+                <a:pos x="connsiteX0" y="connsiteY0"/>
+              </a:cxn>
+              <a:cxn ang="0">
+                <a:pos x="connsiteX1" y="connsiteY1"/>
+              </a:cxn>
+              <a:cxn ang="0">
+                <a:pos x="connsiteX2" y="connsiteY2"/>
+              </a:cxn>
+            </a:cxnLst>
+            <a:rect l="l" t="t" r="r" b="b"/>
+            <a:pathLst>
+              <a:path w="5146158" h="383670">
+                <a:moveTo>
+                  <a:pt x="5146158" y="383670"/>
+                </a:moveTo>
+                <a:cubicBezTo>
+                  <a:pt x="4362893" y="199372"/>
+                  <a:pt x="3579628" y="15075"/>
+                  <a:pt x="2721935" y="898"/>
+                </a:cubicBezTo>
+                <a:cubicBezTo>
+                  <a:pt x="1864242" y="-13279"/>
+                  <a:pt x="932121" y="142665"/>
+                  <a:pt x="0" y="298609"/>
+                </a:cubicBezTo>
+              </a:path>
+            </a:pathLst>
+          </a:custGeom>
+          <a:noFill/>
+          <a:ln>
+            <a:solidFill>
+              <a:schemeClr val="tx1"/>
+            </a:solidFill>
+            <a:prstDash val="sysDot"/>
+            <a:headEnd type="none" w="med" len="med"/>
+            <a:tailEnd type="triangle" w="med" len="med"/>
+          </a:ln>
+        </p:spPr>
+        <p:style>
+          <a:lnRef idx="2">
+            <a:schemeClr val="accent1">
+              <a:shade val="50000"/>
+            </a:schemeClr>
+          </a:lnRef>
+          <a:fillRef idx="1">
+            <a:schemeClr val="accent1"/>
+          </a:fillRef>
+          <a:effectRef idx="0">
+            <a:schemeClr val="accent1"/>
+          </a:effectRef>
+          <a:fontRef idx="minor">
+            <a:schemeClr val="lt1"/>
+          </a:fontRef>
+        </p:style>
+        <p:txBody>
+          <a:bodyPr rtlCol="0" anchor="ctr"/>
+          <a:lstStyle/>
+          <a:p>
+            <a:pPr algn="ctr"/>
+            <a:endParaRPr kumimoji="1" lang="ja-JP" altLang="en-US"/>
+          </a:p>
+        </p:txBody>
+      </p:sp>
+      <p:sp>
+        <p:nvSpPr>
+          <p:cNvPr id="20" name="フリーフォーム 19">
+            <a:extLst>
+              <a:ext uri="{FF2B5EF4-FFF2-40B4-BE49-F238E27FC236}">
+                <a16:creationId xmlns:a16="http://schemas.microsoft.com/office/drawing/2014/main" id="{57F2882F-E4E8-7B43-B876-2BCE77BB28C0}"/>
+              </a:ext>
+            </a:extLst>
+          </p:cNvPr>
+          <p:cNvSpPr/>
+          <p:nvPr/>
+        </p:nvSpPr>
+        <p:spPr>
+          <a:xfrm>
+            <a:off x="3221665" y="2845785"/>
+            <a:ext cx="2573079" cy="425407"/>
+          </a:xfrm>
+          <a:custGeom>
+            <a:avLst/>
+            <a:gdLst>
+              <a:gd name="connsiteX0" fmla="*/ 2573079 w 2573079"/>
+              <a:gd name="connsiteY0" fmla="*/ 31898 h 425407"/>
+              <a:gd name="connsiteX1" fmla="*/ 1020725 w 2573079"/>
+              <a:gd name="connsiteY1" fmla="*/ 425303 h 425407"/>
+              <a:gd name="connsiteX2" fmla="*/ 0 w 2573079"/>
+              <a:gd name="connsiteY2" fmla="*/ 0 h 425407"/>
+            </a:gdLst>
+            <a:ahLst/>
+            <a:cxnLst>
+              <a:cxn ang="0">
+                <a:pos x="connsiteX0" y="connsiteY0"/>
+              </a:cxn>
+              <a:cxn ang="0">
+                <a:pos x="connsiteX1" y="connsiteY1"/>
+              </a:cxn>
+              <a:cxn ang="0">
+                <a:pos x="connsiteX2" y="connsiteY2"/>
+              </a:cxn>
+            </a:cxnLst>
+            <a:rect l="l" t="t" r="r" b="b"/>
+            <a:pathLst>
+              <a:path w="2573079" h="425407">
+                <a:moveTo>
+                  <a:pt x="2573079" y="31898"/>
+                </a:moveTo>
+                <a:cubicBezTo>
+                  <a:pt x="2011325" y="231258"/>
+                  <a:pt x="1449571" y="430619"/>
+                  <a:pt x="1020725" y="425303"/>
+                </a:cubicBezTo>
+                <a:cubicBezTo>
+                  <a:pt x="591879" y="419987"/>
+                  <a:pt x="171893" y="54935"/>
+                  <a:pt x="0" y="0"/>
+                </a:cubicBezTo>
+              </a:path>
+            </a:pathLst>
+          </a:custGeom>
+          <a:noFill/>
+          <a:ln>
+            <a:solidFill>
+              <a:schemeClr val="tx1"/>
+            </a:solidFill>
+            <a:prstDash val="sysDot"/>
+            <a:headEnd type="none" w="med" len="med"/>
+            <a:tailEnd type="triangle" w="med" len="med"/>
+          </a:ln>
+        </p:spPr>
+        <p:style>
+          <a:lnRef idx="2">
+            <a:schemeClr val="accent1">
+              <a:shade val="50000"/>
+            </a:schemeClr>
+          </a:lnRef>
+          <a:fillRef idx="1">
+            <a:schemeClr val="accent1"/>
+          </a:fillRef>
+          <a:effectRef idx="0">
+            <a:schemeClr val="accent1"/>
+          </a:effectRef>
+          <a:fontRef idx="minor">
+            <a:schemeClr val="lt1"/>
+          </a:fontRef>
+        </p:style>
+        <p:txBody>
+          <a:bodyPr rtlCol="0" anchor="ctr"/>
+          <a:lstStyle/>
+          <a:p>
+            <a:pPr algn="ctr"/>
+            <a:endParaRPr kumimoji="1" lang="ja-JP" altLang="en-US"/>
+          </a:p>
+        </p:txBody>
+      </p:sp>
+      <p:sp>
+        <p:nvSpPr>
+          <p:cNvPr id="21" name="テキスト ボックス 20">
+            <a:extLst>
+              <a:ext uri="{FF2B5EF4-FFF2-40B4-BE49-F238E27FC236}">
+                <a16:creationId xmlns:a16="http://schemas.microsoft.com/office/drawing/2014/main" id="{D4386047-2F7B-A845-964A-B47B784B97CB}"/>
+              </a:ext>
+            </a:extLst>
+          </p:cNvPr>
+          <p:cNvSpPr txBox="1"/>
+          <p:nvPr/>
+        </p:nvSpPr>
+        <p:spPr>
+          <a:xfrm>
+            <a:off x="1336576" y="3688874"/>
+            <a:ext cx="1204176" cy="400110"/>
+          </a:xfrm>
+          <a:prstGeom prst="rect">
+            <a:avLst/>
+          </a:prstGeom>
+          <a:noFill/>
+        </p:spPr>
+        <p:txBody>
+          <a:bodyPr wrap="none" rtlCol="0">
+            <a:spAutoFit/>
+          </a:bodyPr>
+          <a:lstStyle/>
+          <a:p>
+            <a:r>
+              <a:rPr kumimoji="1" lang="en-US" altLang="ja-JP" sz="2000" dirty="0"/>
+              <a:t>Smoking</a:t>
+            </a:r>
+            <a:endParaRPr kumimoji="1" lang="ja-JP" altLang="en-US" sz="2000"/>
+          </a:p>
+        </p:txBody>
+      </p:sp>
+      <p:sp>
+        <p:nvSpPr>
+          <p:cNvPr id="22" name="テキスト ボックス 21">
+            <a:extLst>
+              <a:ext uri="{FF2B5EF4-FFF2-40B4-BE49-F238E27FC236}">
+                <a16:creationId xmlns:a16="http://schemas.microsoft.com/office/drawing/2014/main" id="{C6DD1C83-5793-554C-9A7F-4E4D20C85989}"/>
+              </a:ext>
+            </a:extLst>
+          </p:cNvPr>
+          <p:cNvSpPr txBox="1"/>
+          <p:nvPr/>
+        </p:nvSpPr>
+        <p:spPr>
+          <a:xfrm>
+            <a:off x="5170983" y="3688874"/>
+            <a:ext cx="1994457" cy="400110"/>
+          </a:xfrm>
+          <a:prstGeom prst="rect">
+            <a:avLst/>
+          </a:prstGeom>
+          <a:noFill/>
+        </p:spPr>
+        <p:txBody>
+          <a:bodyPr wrap="none" rtlCol="0">
+            <a:spAutoFit/>
+          </a:bodyPr>
+          <a:lstStyle/>
+          <a:p>
+            <a:r>
+              <a:rPr lang="en-US" altLang="ja-JP" sz="2000" dirty="0"/>
+              <a:t>SNVs on 15q24</a:t>
+            </a:r>
+            <a:endParaRPr kumimoji="1" lang="ja-JP" altLang="en-US" sz="2000"/>
+          </a:p>
+        </p:txBody>
+      </p:sp>
+      <p:sp>
+        <p:nvSpPr>
+          <p:cNvPr id="23" name="テキスト ボックス 22">
+            <a:extLst>
+              <a:ext uri="{FF2B5EF4-FFF2-40B4-BE49-F238E27FC236}">
+                <a16:creationId xmlns:a16="http://schemas.microsoft.com/office/drawing/2014/main" id="{D6402F0B-CC44-E64C-AE5F-FE678E8A1356}"/>
+              </a:ext>
+            </a:extLst>
+          </p:cNvPr>
+          <p:cNvSpPr txBox="1"/>
+          <p:nvPr/>
+        </p:nvSpPr>
+        <p:spPr>
+          <a:xfrm>
+            <a:off x="9028805" y="3688874"/>
+            <a:ext cx="1645002" cy="400110"/>
+          </a:xfrm>
+          <a:prstGeom prst="rect">
+            <a:avLst/>
+          </a:prstGeom>
+          <a:noFill/>
+        </p:spPr>
+        <p:txBody>
+          <a:bodyPr wrap="none" rtlCol="0">
+            <a:spAutoFit/>
+          </a:bodyPr>
+          <a:lstStyle/>
+          <a:p>
+            <a:r>
+              <a:rPr kumimoji="1" lang="en-US" altLang="ja-JP" sz="2000" dirty="0"/>
+              <a:t>Lung cancer</a:t>
+            </a:r>
+            <a:endParaRPr kumimoji="1" lang="ja-JP" altLang="en-US" sz="2000"/>
+          </a:p>
+        </p:txBody>
+      </p:sp>
+      <p:cxnSp>
+        <p:nvCxnSpPr>
+          <p:cNvPr id="24" name="直線矢印コネクタ 23">
+            <a:extLst>
+              <a:ext uri="{FF2B5EF4-FFF2-40B4-BE49-F238E27FC236}">
+                <a16:creationId xmlns:a16="http://schemas.microsoft.com/office/drawing/2014/main" id="{AB4FD6C8-A209-824F-8B2F-0D20C8ADCDFD}"/>
+              </a:ext>
+            </a:extLst>
+          </p:cNvPr>
+          <p:cNvCxnSpPr>
+            <a:cxnSpLocks/>
+          </p:cNvCxnSpPr>
+          <p:nvPr/>
+        </p:nvCxnSpPr>
+        <p:spPr>
+          <a:xfrm>
+            <a:off x="3502960" y="3888929"/>
+            <a:ext cx="800543" cy="0"/>
+          </a:xfrm>
+          <a:prstGeom prst="straightConnector1">
+            <a:avLst/>
+          </a:prstGeom>
+          <a:ln w="19050">
+            <a:tailEnd type="triangle"/>
+          </a:ln>
+        </p:spPr>
+        <p:style>
+          <a:lnRef idx="1">
+            <a:schemeClr val="dk1"/>
+          </a:lnRef>
+          <a:fillRef idx="0">
+            <a:schemeClr val="dk1"/>
+          </a:fillRef>
+          <a:effectRef idx="0">
+            <a:schemeClr val="dk1"/>
+          </a:effectRef>
+          <a:fontRef idx="minor">
+            <a:schemeClr val="tx1"/>
+          </a:fontRef>
+        </p:style>
+      </p:cxnSp>
+      <p:cxnSp>
+        <p:nvCxnSpPr>
+          <p:cNvPr id="25" name="直線矢印コネクタ 24">
+            <a:extLst>
+              <a:ext uri="{FF2B5EF4-FFF2-40B4-BE49-F238E27FC236}">
+                <a16:creationId xmlns:a16="http://schemas.microsoft.com/office/drawing/2014/main" id="{7B131B80-56F1-B54D-A9BF-AC6645C2829C}"/>
+              </a:ext>
+            </a:extLst>
+          </p:cNvPr>
+          <p:cNvCxnSpPr>
+            <a:cxnSpLocks/>
+          </p:cNvCxnSpPr>
+          <p:nvPr/>
+        </p:nvCxnSpPr>
+        <p:spPr>
+          <a:xfrm>
+            <a:off x="7804714" y="3888929"/>
+            <a:ext cx="800543" cy="0"/>
+          </a:xfrm>
+          <a:prstGeom prst="straightConnector1">
+            <a:avLst/>
+          </a:prstGeom>
+          <a:ln w="19050">
+            <a:tailEnd type="triangle"/>
+          </a:ln>
+        </p:spPr>
+        <p:style>
+          <a:lnRef idx="1">
+            <a:schemeClr val="dk1"/>
+          </a:lnRef>
+          <a:fillRef idx="0">
+            <a:schemeClr val="dk1"/>
+          </a:fillRef>
+          <a:effectRef idx="0">
+            <a:schemeClr val="dk1"/>
+          </a:effectRef>
+          <a:fontRef idx="minor">
+            <a:schemeClr val="tx1"/>
+          </a:fontRef>
+        </p:style>
+      </p:cxnSp>
+      <p:sp>
+        <p:nvSpPr>
+          <p:cNvPr id="26" name="正方形/長方形 25">
+            <a:extLst>
+              <a:ext uri="{FF2B5EF4-FFF2-40B4-BE49-F238E27FC236}">
+                <a16:creationId xmlns:a16="http://schemas.microsoft.com/office/drawing/2014/main" id="{08CC13ED-B795-7E4E-B5E6-62E667226FE8}"/>
+              </a:ext>
+            </a:extLst>
+          </p:cNvPr>
+          <p:cNvSpPr/>
+          <p:nvPr/>
+        </p:nvSpPr>
+        <p:spPr>
+          <a:xfrm>
+            <a:off x="757568" y="3412794"/>
+            <a:ext cx="10821288" cy="3076445"/>
+          </a:xfrm>
+          <a:prstGeom prst="rect">
+            <a:avLst/>
+          </a:prstGeom>
+          <a:noFill/>
+          <a:ln>
+            <a:solidFill>
+              <a:schemeClr val="tx1">
+                <a:lumMod val="50000"/>
+                <a:lumOff val="50000"/>
+              </a:schemeClr>
+            </a:solidFill>
+          </a:ln>
+        </p:spPr>
+        <p:style>
+          <a:lnRef idx="2">
+            <a:schemeClr val="accent1">
+              <a:shade val="50000"/>
+            </a:schemeClr>
+          </a:lnRef>
+          <a:fillRef idx="1">
+            <a:schemeClr val="accent1"/>
+          </a:fillRef>
+          <a:effectRef idx="0">
+            <a:schemeClr val="accent1"/>
+          </a:effectRef>
+          <a:fontRef idx="minor">
+            <a:schemeClr val="lt1"/>
+          </a:fontRef>
+        </p:style>
+        <p:txBody>
+          <a:bodyPr rtlCol="0" anchor="ctr"/>
+          <a:lstStyle/>
+          <a:p>
+            <a:pPr algn="ctr"/>
+            <a:endParaRPr kumimoji="1" lang="ja-JP" altLang="en-US"/>
+          </a:p>
+        </p:txBody>
+      </p:sp>
+      <p:sp>
+        <p:nvSpPr>
+          <p:cNvPr id="27" name="テキスト ボックス 26">
+            <a:extLst>
+              <a:ext uri="{FF2B5EF4-FFF2-40B4-BE49-F238E27FC236}">
+                <a16:creationId xmlns:a16="http://schemas.microsoft.com/office/drawing/2014/main" id="{66C05042-ACAB-164F-97B4-6099CB51F506}"/>
+              </a:ext>
+            </a:extLst>
+          </p:cNvPr>
+          <p:cNvSpPr txBox="1"/>
+          <p:nvPr/>
+        </p:nvSpPr>
+        <p:spPr>
+          <a:xfrm>
+            <a:off x="1061746" y="4750949"/>
+            <a:ext cx="2141933" cy="400110"/>
+          </a:xfrm>
+          <a:prstGeom prst="rect">
+            <a:avLst/>
+          </a:prstGeom>
+          <a:noFill/>
+        </p:spPr>
+        <p:txBody>
+          <a:bodyPr wrap="none" rtlCol="0">
+            <a:spAutoFit/>
+          </a:bodyPr>
+          <a:lstStyle/>
+          <a:p>
+            <a:r>
+              <a:rPr lang="en-US" altLang="ja-JP" sz="2000" dirty="0"/>
+              <a:t>BRCA1 mutation</a:t>
+            </a:r>
+            <a:endParaRPr kumimoji="1" lang="ja-JP" altLang="en-US" sz="2000"/>
+          </a:p>
+        </p:txBody>
+      </p:sp>
+      <p:cxnSp>
+        <p:nvCxnSpPr>
+          <p:cNvPr id="28" name="直線矢印コネクタ 27">
+            <a:extLst>
+              <a:ext uri="{FF2B5EF4-FFF2-40B4-BE49-F238E27FC236}">
+                <a16:creationId xmlns:a16="http://schemas.microsoft.com/office/drawing/2014/main" id="{41E07F8E-33BE-5C44-A1B1-D24A7DE80759}"/>
+              </a:ext>
+            </a:extLst>
+          </p:cNvPr>
+          <p:cNvCxnSpPr>
+            <a:cxnSpLocks/>
+          </p:cNvCxnSpPr>
+          <p:nvPr/>
+        </p:nvCxnSpPr>
+        <p:spPr>
+          <a:xfrm>
+            <a:off x="3537984" y="4962593"/>
+            <a:ext cx="800543" cy="0"/>
+          </a:xfrm>
+          <a:prstGeom prst="straightConnector1">
+            <a:avLst/>
+          </a:prstGeom>
+          <a:ln w="19050">
+            <a:tailEnd type="triangle"/>
+          </a:ln>
+        </p:spPr>
+        <p:style>
+          <a:lnRef idx="1">
+            <a:schemeClr val="dk1"/>
+          </a:lnRef>
+          <a:fillRef idx="0">
+            <a:schemeClr val="dk1"/>
+          </a:fillRef>
+          <a:effectRef idx="0">
+            <a:schemeClr val="dk1"/>
+          </a:effectRef>
+          <a:fontRef idx="minor">
+            <a:schemeClr val="tx1"/>
+          </a:fontRef>
+        </p:style>
+      </p:cxnSp>
+      <p:sp>
+        <p:nvSpPr>
+          <p:cNvPr id="30" name="テキスト ボックス 29">
+            <a:extLst>
+              <a:ext uri="{FF2B5EF4-FFF2-40B4-BE49-F238E27FC236}">
+                <a16:creationId xmlns:a16="http://schemas.microsoft.com/office/drawing/2014/main" id="{AE59D545-FF55-6B45-80AE-EACE02585D31}"/>
+              </a:ext>
+            </a:extLst>
+          </p:cNvPr>
+          <p:cNvSpPr txBox="1"/>
+          <p:nvPr/>
+        </p:nvSpPr>
+        <p:spPr>
+          <a:xfrm>
+            <a:off x="5097244" y="4762538"/>
+            <a:ext cx="2533066" cy="400110"/>
+          </a:xfrm>
+          <a:prstGeom prst="rect">
+            <a:avLst/>
+          </a:prstGeom>
+          <a:noFill/>
+        </p:spPr>
+        <p:txBody>
+          <a:bodyPr wrap="none" rtlCol="0">
+            <a:spAutoFit/>
+          </a:bodyPr>
+          <a:lstStyle/>
+          <a:p>
+            <a:r>
+              <a:rPr kumimoji="1" lang="en-US" altLang="ja-JP" sz="2000" dirty="0"/>
+              <a:t>T</a:t>
+            </a:r>
+            <a:r>
+              <a:rPr lang="en-US" altLang="ja-JP" sz="2000" dirty="0"/>
+              <a:t>andem duplication</a:t>
+            </a:r>
+            <a:endParaRPr kumimoji="1" lang="ja-JP" altLang="en-US" sz="2000"/>
+          </a:p>
+        </p:txBody>
+      </p:sp>
+      <p:sp>
+        <p:nvSpPr>
+          <p:cNvPr id="31" name="テキスト ボックス 30">
+            <a:extLst>
+              <a:ext uri="{FF2B5EF4-FFF2-40B4-BE49-F238E27FC236}">
+                <a16:creationId xmlns:a16="http://schemas.microsoft.com/office/drawing/2014/main" id="{2F67901D-179C-414A-97FD-259652FC73AF}"/>
+              </a:ext>
+            </a:extLst>
+          </p:cNvPr>
+          <p:cNvSpPr txBox="1"/>
+          <p:nvPr/>
+        </p:nvSpPr>
+        <p:spPr>
+          <a:xfrm>
+            <a:off x="5495591" y="5812920"/>
+            <a:ext cx="1345240" cy="400110"/>
+          </a:xfrm>
+          <a:prstGeom prst="rect">
+            <a:avLst/>
+          </a:prstGeom>
+          <a:noFill/>
+        </p:spPr>
+        <p:txBody>
+          <a:bodyPr wrap="none" rtlCol="0">
+            <a:spAutoFit/>
+          </a:bodyPr>
+          <a:lstStyle/>
+          <a:p>
+            <a:r>
+              <a:rPr kumimoji="1" lang="en-US" altLang="ja-JP" sz="2000" dirty="0"/>
+              <a:t>t(9q; 22q)</a:t>
+            </a:r>
+            <a:endParaRPr kumimoji="1" lang="ja-JP" altLang="en-US" sz="2000"/>
+          </a:p>
+        </p:txBody>
+      </p:sp>
+      <p:cxnSp>
+        <p:nvCxnSpPr>
+          <p:cNvPr id="32" name="直線矢印コネクタ 31">
+            <a:extLst>
+              <a:ext uri="{FF2B5EF4-FFF2-40B4-BE49-F238E27FC236}">
+                <a16:creationId xmlns:a16="http://schemas.microsoft.com/office/drawing/2014/main" id="{88E0CA02-DA87-DF4B-818D-7EDC650BDA54}"/>
+              </a:ext>
+            </a:extLst>
+          </p:cNvPr>
+          <p:cNvCxnSpPr>
+            <a:cxnSpLocks/>
+          </p:cNvCxnSpPr>
+          <p:nvPr/>
+        </p:nvCxnSpPr>
+        <p:spPr>
+          <a:xfrm>
+            <a:off x="7804713" y="5982034"/>
+            <a:ext cx="800543" cy="0"/>
+          </a:xfrm>
+          <a:prstGeom prst="straightConnector1">
+            <a:avLst/>
+          </a:prstGeom>
+          <a:ln w="19050">
+            <a:tailEnd type="triangle"/>
+          </a:ln>
+        </p:spPr>
+        <p:style>
+          <a:lnRef idx="1">
+            <a:schemeClr val="dk1"/>
+          </a:lnRef>
+          <a:fillRef idx="0">
+            <a:schemeClr val="dk1"/>
+          </a:fillRef>
+          <a:effectRef idx="0">
+            <a:schemeClr val="dk1"/>
+          </a:effectRef>
+          <a:fontRef idx="minor">
+            <a:schemeClr val="tx1"/>
+          </a:fontRef>
+        </p:style>
+      </p:cxnSp>
+      <p:sp>
+        <p:nvSpPr>
+          <p:cNvPr id="33" name="テキスト ボックス 32">
+            <a:extLst>
+              <a:ext uri="{FF2B5EF4-FFF2-40B4-BE49-F238E27FC236}">
+                <a16:creationId xmlns:a16="http://schemas.microsoft.com/office/drawing/2014/main" id="{96EDD3FC-49CF-7246-8731-6E0A80BE88B0}"/>
+              </a:ext>
+            </a:extLst>
+          </p:cNvPr>
+          <p:cNvSpPr txBox="1"/>
+          <p:nvPr/>
+        </p:nvSpPr>
+        <p:spPr>
+          <a:xfrm>
+            <a:off x="8963381" y="5781979"/>
+            <a:ext cx="2257349" cy="400110"/>
+          </a:xfrm>
+          <a:prstGeom prst="rect">
+            <a:avLst/>
+          </a:prstGeom>
+          <a:noFill/>
+        </p:spPr>
+        <p:txBody>
+          <a:bodyPr wrap="none" rtlCol="0">
+            <a:spAutoFit/>
+          </a:bodyPr>
+          <a:lstStyle/>
+          <a:p>
+            <a:r>
+              <a:rPr lang="en-US" altLang="ja-JP" sz="2000" i="1" dirty="0"/>
+              <a:t>BCR-ABL1</a:t>
+            </a:r>
+            <a:r>
+              <a:rPr lang="en-US" altLang="ja-JP" sz="2000" dirty="0"/>
+              <a:t> fusion</a:t>
+            </a:r>
+            <a:endParaRPr kumimoji="1" lang="ja-JP" altLang="en-US" sz="2000"/>
           </a:p>
         </p:txBody>
       </p:sp>
     </p:spTree>
     <p:extLst>
       <p:ext uri="{BB962C8B-B14F-4D97-AF65-F5344CB8AC3E}">
-        <p14:creationId xmlns:p14="http://schemas.microsoft.com/office/powerpoint/2010/main" val="1431691027"/>
+        <p14:creationId xmlns:p14="http://schemas.microsoft.com/office/powerpoint/2010/main" val="2149852361"/>
       </p:ext>
     </p:extLst>
   </p:cSld>
@@ -5592,7 +7321,7 @@
           <p:cNvPr id="2" name="タイトル 1">
             <a:extLst>
               <a:ext uri="{FF2B5EF4-FFF2-40B4-BE49-F238E27FC236}">
-                <a16:creationId xmlns:a16="http://schemas.microsoft.com/office/drawing/2014/main" id="{B42DAD75-7666-BB46-BB8E-6EACBE901417}"/>
+                <a16:creationId xmlns:a16="http://schemas.microsoft.com/office/drawing/2014/main" id="{39DEC129-1775-8943-AB92-75CF99570477}"/>
               </a:ext>
             </a:extLst>
           </p:cNvPr>
@@ -5603,109 +7332,130 @@
             <p:ph type="title"/>
           </p:nvPr>
         </p:nvSpPr>
-        <p:spPr/>
+        <p:spPr>
+          <a:xfrm>
+            <a:off x="838200" y="365125"/>
+            <a:ext cx="5562600" cy="1325563"/>
+          </a:xfrm>
+        </p:spPr>
         <p:txBody>
           <a:bodyPr/>
           <a:lstStyle/>
           <a:p>
             <a:r>
-              <a:rPr lang="ja-JP" altLang="en-US"/>
-              <a:t>中間オブジェクトのデータ構成をどうするか</a:t>
+              <a:rPr kumimoji="1" lang="en-US" altLang="ja-JP" dirty="0"/>
+              <a:t>Mutational Signature</a:t>
             </a:r>
             <a:endParaRPr kumimoji="1" lang="ja-JP" altLang="en-US"/>
           </a:p>
         </p:txBody>
       </p:sp>
-      <p:sp>
-        <p:nvSpPr>
-          <p:cNvPr id="3" name="コンテンツ プレースホルダー 2">
-            <a:extLst>
-              <a:ext uri="{FF2B5EF4-FFF2-40B4-BE49-F238E27FC236}">
-                <a16:creationId xmlns:a16="http://schemas.microsoft.com/office/drawing/2014/main" id="{43CC3A9B-DF0F-7C4B-B757-12BE1433B145}"/>
-              </a:ext>
-            </a:extLst>
-          </p:cNvPr>
-          <p:cNvSpPr>
-            <a:spLocks noGrp="1"/>
-          </p:cNvSpPr>
+      <p:pic>
+        <p:nvPicPr>
+          <p:cNvPr id="6" name="コンテンツ プレースホルダー 5" descr="カレンダー が含まれている画像&#10;&#10;自動的に生成された説明">
+            <a:extLst>
+              <a:ext uri="{FF2B5EF4-FFF2-40B4-BE49-F238E27FC236}">
+                <a16:creationId xmlns:a16="http://schemas.microsoft.com/office/drawing/2014/main" id="{1ABA8CE2-7509-DA4E-8D66-7B458F9FBD7D}"/>
+              </a:ext>
+            </a:extLst>
+          </p:cNvPr>
+          <p:cNvPicPr>
+            <a:picLocks noGrp="1" noChangeAspect="1"/>
+          </p:cNvPicPr>
           <p:nvPr>
             <p:ph idx="1"/>
           </p:nvPr>
-        </p:nvSpPr>
-        <p:spPr/>
-        <p:txBody>
-          <a:bodyPr/>
-          <a:lstStyle/>
-          <a:p>
-            <a:r>
-              <a:rPr kumimoji="1" lang="en-US" altLang="ja-JP" dirty="0"/>
-              <a:t>Tidy data</a:t>
-            </a:r>
-            <a:r>
-              <a:rPr kumimoji="1" lang="ja-JP" altLang="en-US"/>
-              <a:t>化</a:t>
-            </a:r>
-            <a:r>
-              <a:rPr kumimoji="1" lang="en-US" altLang="ja-JP" dirty="0"/>
-              <a:t>?</a:t>
-            </a:r>
-          </a:p>
-          <a:p>
-            <a:r>
-              <a:rPr lang="en-US" altLang="ja-JP" dirty="0"/>
-              <a:t>Wide</a:t>
-            </a:r>
-            <a:r>
-              <a:rPr lang="ja-JP" altLang="en-US"/>
-              <a:t>にすると欠損が出る</a:t>
-            </a:r>
-            <a:endParaRPr lang="en-US" altLang="ja-JP" dirty="0"/>
-          </a:p>
-          <a:p>
-            <a:r>
-              <a:rPr lang="en-US" altLang="ja-JP" dirty="0"/>
-              <a:t>Sqlite3?</a:t>
-            </a:r>
-          </a:p>
-          <a:p>
-            <a:r>
-              <a:rPr kumimoji="1" lang="en-US" altLang="ja-JP" dirty="0"/>
-              <a:t>RDB</a:t>
-            </a:r>
-            <a:r>
-              <a:rPr kumimoji="1" lang="ja-JP" altLang="en-US"/>
-              <a:t>形式のオブジェクト？</a:t>
-            </a:r>
-            <a:endParaRPr kumimoji="1" lang="en-US" altLang="ja-JP" dirty="0"/>
-          </a:p>
-          <a:p>
-            <a:r>
-              <a:rPr lang="ja-JP" altLang="en-US"/>
-              <a:t>オブジェクト指向型データベース</a:t>
-            </a:r>
-            <a:r>
-              <a:rPr lang="en-US" altLang="ja-JP" dirty="0"/>
-              <a:t>? (Python</a:t>
-            </a:r>
-            <a:r>
-              <a:rPr lang="ja-JP" altLang="en-US"/>
-              <a:t>っぽい</a:t>
-            </a:r>
-            <a:r>
-              <a:rPr lang="en-US" altLang="ja-JP" dirty="0"/>
-              <a:t>)</a:t>
-            </a:r>
-            <a:endParaRPr kumimoji="1" lang="en-US" altLang="ja-JP" dirty="0"/>
-          </a:p>
-          <a:p>
-            <a:endParaRPr kumimoji="1" lang="ja-JP" altLang="en-US"/>
-          </a:p>
-        </p:txBody>
-      </p:sp>
+        </p:nvPicPr>
+        <p:blipFill>
+          <a:blip r:embed="rId2"/>
+          <a:stretch>
+            <a:fillRect/>
+          </a:stretch>
+        </p:blipFill>
+        <p:spPr>
+          <a:xfrm>
+            <a:off x="6096000" y="235424"/>
+            <a:ext cx="6041953" cy="6387152"/>
+          </a:xfrm>
+        </p:spPr>
+      </p:pic>
+      <p:sp>
+        <p:nvSpPr>
+          <p:cNvPr id="7" name="テキスト ボックス 6">
+            <a:extLst>
+              <a:ext uri="{FF2B5EF4-FFF2-40B4-BE49-F238E27FC236}">
+                <a16:creationId xmlns:a16="http://schemas.microsoft.com/office/drawing/2014/main" id="{EC72AE56-D684-A748-99E4-58D543E7DD95}"/>
+              </a:ext>
+            </a:extLst>
+          </p:cNvPr>
+          <p:cNvSpPr txBox="1"/>
+          <p:nvPr/>
+        </p:nvSpPr>
+        <p:spPr>
+          <a:xfrm>
+            <a:off x="636181" y="1690688"/>
+            <a:ext cx="5332228" cy="830997"/>
+          </a:xfrm>
+          <a:prstGeom prst="rect">
+            <a:avLst/>
+          </a:prstGeom>
+          <a:noFill/>
+        </p:spPr>
+        <p:txBody>
+          <a:bodyPr wrap="square" rtlCol="0">
+            <a:spAutoFit/>
+          </a:bodyPr>
+          <a:lstStyle/>
+          <a:p>
+            <a:r>
+              <a:rPr lang="en-US" altLang="ja-JP" sz="2400" dirty="0"/>
+              <a:t>Representative attempt to elucidate the </a:t>
+            </a:r>
+            <a:r>
+              <a:rPr lang="en-US" altLang="ja-JP" sz="2400" b="1" dirty="0"/>
+              <a:t>cause of SNVs</a:t>
+            </a:r>
+            <a:r>
+              <a:rPr lang="en-US" altLang="ja-JP" sz="2400" dirty="0"/>
+              <a:t> in human cancer</a:t>
+            </a:r>
+          </a:p>
+        </p:txBody>
+      </p:sp>
+      <p:pic>
+        <p:nvPicPr>
+          <p:cNvPr id="9" name="図 8" descr="グラフィカル ユーザー インターフェイス, テキスト, アプリケーション, チャットまたはテキスト メッセージ&#10;&#10;自動的に生成された説明">
+            <a:extLst>
+              <a:ext uri="{FF2B5EF4-FFF2-40B4-BE49-F238E27FC236}">
+                <a16:creationId xmlns:a16="http://schemas.microsoft.com/office/drawing/2014/main" id="{B80D4CFF-60A3-664F-B15A-0BE090C3D3EC}"/>
+              </a:ext>
+            </a:extLst>
+          </p:cNvPr>
+          <p:cNvPicPr>
+            <a:picLocks noChangeAspect="1"/>
+          </p:cNvPicPr>
+          <p:nvPr/>
+        </p:nvPicPr>
+        <p:blipFill>
+          <a:blip r:embed="rId3"/>
+          <a:stretch>
+            <a:fillRect/>
+          </a:stretch>
+        </p:blipFill>
+        <p:spPr>
+          <a:xfrm>
+            <a:off x="1786393" y="2787591"/>
+            <a:ext cx="2383324" cy="3834985"/>
+          </a:xfrm>
+          <a:prstGeom prst="rect">
+            <a:avLst/>
+          </a:prstGeom>
+        </p:spPr>
+      </p:pic>
     </p:spTree>
     <p:extLst>
       <p:ext uri="{BB962C8B-B14F-4D97-AF65-F5344CB8AC3E}">
-        <p14:creationId xmlns:p14="http://schemas.microsoft.com/office/powerpoint/2010/main" val="1338274209"/>
+        <p14:creationId xmlns:p14="http://schemas.microsoft.com/office/powerpoint/2010/main" val="4086746631"/>
       </p:ext>
     </p:extLst>
   </p:cSld>
@@ -5737,7 +7487,7 @@
           <p:cNvPr id="2" name="タイトル 1">
             <a:extLst>
               <a:ext uri="{FF2B5EF4-FFF2-40B4-BE49-F238E27FC236}">
-                <a16:creationId xmlns:a16="http://schemas.microsoft.com/office/drawing/2014/main" id="{7262EDE4-065E-F54D-86BD-994577FE1815}"/>
+                <a16:creationId xmlns:a16="http://schemas.microsoft.com/office/drawing/2014/main" id="{856E53BF-DFB8-EE4E-BEF1-6330917BBA22}"/>
               </a:ext>
             </a:extLst>
           </p:cNvPr>
@@ -5754,101 +7504,102 @@
           <a:lstStyle/>
           <a:p>
             <a:r>
-              <a:rPr lang="ja-JP" altLang="en-US"/>
-              <a:t>ソフトの存在意義</a:t>
+              <a:rPr kumimoji="1" lang="en-US" altLang="ja-JP" dirty="0"/>
+              <a:t>SV signatures?</a:t>
             </a:r>
             <a:endParaRPr kumimoji="1" lang="ja-JP" altLang="en-US"/>
           </a:p>
         </p:txBody>
       </p:sp>
-      <p:sp>
-        <p:nvSpPr>
-          <p:cNvPr id="3" name="コンテンツ プレースホルダー 2">
-            <a:extLst>
-              <a:ext uri="{FF2B5EF4-FFF2-40B4-BE49-F238E27FC236}">
-                <a16:creationId xmlns:a16="http://schemas.microsoft.com/office/drawing/2014/main" id="{654EE365-969E-F44B-BBAB-C541CAF13A5C}"/>
-              </a:ext>
-            </a:extLst>
-          </p:cNvPr>
-          <p:cNvSpPr>
-            <a:spLocks noGrp="1"/>
-          </p:cNvSpPr>
+      <p:pic>
+        <p:nvPicPr>
+          <p:cNvPr id="3074" name="Picture 2" descr="Fig. 6">
+            <a:extLst>
+              <a:ext uri="{FF2B5EF4-FFF2-40B4-BE49-F238E27FC236}">
+                <a16:creationId xmlns:a16="http://schemas.microsoft.com/office/drawing/2014/main" id="{A8E075A9-BE24-934A-9F1F-F5B0B2650023}"/>
+              </a:ext>
+            </a:extLst>
+          </p:cNvPr>
+          <p:cNvPicPr>
+            <a:picLocks noGrp="1" noChangeAspect="1" noChangeArrowheads="1"/>
+          </p:cNvPicPr>
           <p:nvPr>
             <p:ph idx="1"/>
           </p:nvPr>
-        </p:nvSpPr>
-        <p:spPr/>
-        <p:txBody>
-          <a:bodyPr/>
-          <a:lstStyle/>
-          <a:p>
-            <a:r>
-              <a:rPr kumimoji="1" lang="en-US" altLang="ja-JP" dirty="0"/>
-              <a:t>VCF</a:t>
-            </a:r>
-            <a:r>
-              <a:rPr kumimoji="1" lang="ja-JP" altLang="en-US"/>
-              <a:t>ファイルのフィルタリング処理は</a:t>
-            </a:r>
-            <a:r>
-              <a:rPr lang="ja-JP" altLang="en-US"/>
-              <a:t>コーディング</a:t>
-            </a:r>
-            <a:r>
-              <a:rPr kumimoji="1" lang="ja-JP" altLang="en-US"/>
-              <a:t>時間がかかる</a:t>
-            </a:r>
-            <a:endParaRPr kumimoji="1" lang="en-US" altLang="ja-JP" dirty="0"/>
-          </a:p>
-          <a:p>
-            <a:r>
-              <a:rPr lang="ja-JP" altLang="en-US"/>
-              <a:t>インフォマティシャン個々人でスクリプトを書いている状況で、分野全体としての時間ロスが大きい（はず）</a:t>
-            </a:r>
-            <a:endParaRPr lang="en-US" altLang="ja-JP" dirty="0"/>
-          </a:p>
-          <a:p>
-            <a:r>
-              <a:rPr kumimoji="1" lang="en-US" altLang="ja-JP" dirty="0"/>
-              <a:t>SV</a:t>
-            </a:r>
-            <a:r>
-              <a:rPr kumimoji="1" lang="ja-JP" altLang="en-US"/>
-              <a:t>の</a:t>
-            </a:r>
-            <a:r>
-              <a:rPr kumimoji="1" lang="en-US" altLang="ja-JP" dirty="0"/>
-              <a:t>3</a:t>
-            </a:r>
-            <a:r>
-              <a:rPr kumimoji="1" lang="ja-JP" altLang="en-US"/>
-              <a:t>次解析をスクリプト言語上で支援するツールが少ない</a:t>
-            </a:r>
-            <a:endParaRPr kumimoji="1" lang="en-US" altLang="ja-JP" dirty="0"/>
-          </a:p>
-          <a:p>
-            <a:r>
-              <a:rPr lang="en-US" altLang="ja-JP" dirty="0"/>
-              <a:t>merge, annotation</a:t>
-            </a:r>
-          </a:p>
-          <a:p>
-            <a:r>
-              <a:rPr kumimoji="1" lang="en-US" altLang="ja-JP" dirty="0"/>
-              <a:t>Python</a:t>
-            </a:r>
-            <a:r>
-              <a:rPr kumimoji="1" lang="ja-JP" altLang="en-US"/>
-              <a:t>ワールドに載せることによる拡張性</a:t>
-            </a:r>
-            <a:endParaRPr kumimoji="1" lang="en-US" altLang="ja-JP" dirty="0"/>
+        </p:nvPicPr>
+        <p:blipFill>
+          <a:blip r:embed="rId2">
+            <a:extLst>
+              <a:ext uri="{28A0092B-C50C-407E-A947-70E740481C1C}">
+                <a14:useLocalDpi xmlns:a14="http://schemas.microsoft.com/office/drawing/2010/main" val="0"/>
+              </a:ext>
+            </a:extLst>
+          </a:blip>
+          <a:srcRect/>
+          <a:stretch>
+            <a:fillRect/>
+          </a:stretch>
+        </p:blipFill>
+        <p:spPr bwMode="auto">
+          <a:xfrm>
+            <a:off x="6096000" y="96947"/>
+            <a:ext cx="4876050" cy="6664106"/>
+          </a:xfrm>
+          <a:prstGeom prst="rect">
+            <a:avLst/>
+          </a:prstGeom>
+          <a:noFill/>
+          <a:extLst>
+            <a:ext uri="{909E8E84-426E-40DD-AFC4-6F175D3DCCD1}">
+              <a14:hiddenFill xmlns:a14="http://schemas.microsoft.com/office/drawing/2010/main">
+                <a:solidFill>
+                  <a:srgbClr val="FFFFFF"/>
+                </a:solidFill>
+              </a14:hiddenFill>
+            </a:ext>
+          </a:extLst>
+        </p:spPr>
+      </p:pic>
+      <p:sp>
+        <p:nvSpPr>
+          <p:cNvPr id="4" name="テキスト ボックス 3">
+            <a:extLst>
+              <a:ext uri="{FF2B5EF4-FFF2-40B4-BE49-F238E27FC236}">
+                <a16:creationId xmlns:a16="http://schemas.microsoft.com/office/drawing/2014/main" id="{56547AB6-5DF1-984D-A68A-1C6BD8B5100B}"/>
+              </a:ext>
+            </a:extLst>
+          </p:cNvPr>
+          <p:cNvSpPr txBox="1"/>
+          <p:nvPr/>
+        </p:nvSpPr>
+        <p:spPr>
+          <a:xfrm>
+            <a:off x="489098" y="2254102"/>
+            <a:ext cx="5076295" cy="707886"/>
+          </a:xfrm>
+          <a:prstGeom prst="rect">
+            <a:avLst/>
+          </a:prstGeom>
+          <a:noFill/>
+        </p:spPr>
+        <p:txBody>
+          <a:bodyPr wrap="square" rtlCol="0">
+            <a:spAutoFit/>
+          </a:bodyPr>
+          <a:lstStyle/>
+          <a:p>
+            <a:r>
+              <a:rPr kumimoji="1" lang="en-US" altLang="ja-JP" sz="2000" dirty="0"/>
+              <a:t>Recent attempt to create SV signature to clarify the SNV background of SV</a:t>
+            </a:r>
+            <a:endParaRPr kumimoji="1" lang="ja-JP" altLang="en-US" sz="2000"/>
           </a:p>
         </p:txBody>
       </p:sp>
     </p:spTree>
     <p:extLst>
       <p:ext uri="{BB962C8B-B14F-4D97-AF65-F5344CB8AC3E}">
-        <p14:creationId xmlns:p14="http://schemas.microsoft.com/office/powerpoint/2010/main" val="4256033377"/>
+        <p14:creationId xmlns:p14="http://schemas.microsoft.com/office/powerpoint/2010/main" val="2109273618"/>
       </p:ext>
     </p:extLst>
   </p:cSld>
@@ -5880,7 +7631,7 @@
           <p:cNvPr id="2" name="タイトル 1">
             <a:extLst>
               <a:ext uri="{FF2B5EF4-FFF2-40B4-BE49-F238E27FC236}">
-                <a16:creationId xmlns:a16="http://schemas.microsoft.com/office/drawing/2014/main" id="{BA96F779-03D9-8E4F-BB38-FAB6CDB97A55}"/>
+                <a16:creationId xmlns:a16="http://schemas.microsoft.com/office/drawing/2014/main" id="{813C3E5C-9EA3-254C-922A-0E76AAE703AC}"/>
               </a:ext>
             </a:extLst>
           </p:cNvPr>
@@ -5896,7 +7647,10 @@
           <a:bodyPr/>
           <a:lstStyle/>
           <a:p>
-            <a:endParaRPr kumimoji="1" lang="ja-JP" altLang="en-US"/>
+            <a:r>
+              <a:rPr kumimoji="1" lang="ja-JP" altLang="en-US"/>
+              <a:t>研究分野の課題</a:t>
+            </a:r>
           </a:p>
         </p:txBody>
       </p:sp>
@@ -5905,7 +7659,7 @@
           <p:cNvPr id="3" name="コンテンツ プレースホルダー 2">
             <a:extLst>
               <a:ext uri="{FF2B5EF4-FFF2-40B4-BE49-F238E27FC236}">
-                <a16:creationId xmlns:a16="http://schemas.microsoft.com/office/drawing/2014/main" id="{D834D438-B9DF-7244-9BB7-14B8C0549730}"/>
+                <a16:creationId xmlns:a16="http://schemas.microsoft.com/office/drawing/2014/main" id="{AC228F7A-8ED5-3842-8360-B36D95612756}"/>
               </a:ext>
             </a:extLst>
           </p:cNvPr>
@@ -5922,31 +7676,33 @@
           <a:lstStyle/>
           <a:p>
             <a:r>
-              <a:rPr kumimoji="1" lang="ja-JP" altLang="en-US"/>
-              <a:t>そもそも</a:t>
-            </a:r>
-            <a:r>
               <a:rPr kumimoji="1" lang="en-US" altLang="ja-JP" dirty="0"/>
-              <a:t>SV signature</a:t>
-            </a:r>
-            <a:r>
-              <a:rPr kumimoji="1" lang="ja-JP" altLang="en-US"/>
-              <a:t>を考える時に、複雑なクラス分けは必要なのか？</a:t>
+              <a:t>There is no established method for SV signature analysis</a:t>
+            </a:r>
+          </a:p>
+          <a:p>
+            <a:r>
+              <a:rPr kumimoji="1" lang="en-US" altLang="ja-JP" dirty="0"/>
+              <a:t>Lacking useful tools for SV data wrangling</a:t>
+            </a:r>
+          </a:p>
+          <a:p>
+            <a:r>
+              <a:rPr lang="en-US" altLang="ja-JP" dirty="0"/>
+              <a:t>Lacking well-documented tool</a:t>
             </a:r>
             <a:endParaRPr kumimoji="1" lang="en-US" altLang="ja-JP" dirty="0"/>
           </a:p>
           <a:p>
             <a:r>
-              <a:rPr kumimoji="1" lang="ja-JP" altLang="en-US"/>
-              <a:t>変異の大きさと</a:t>
-            </a:r>
+              <a:rPr lang="en-US" altLang="ja-JP" dirty="0"/>
+              <a:t>Few tools can analyze SV signature</a:t>
+            </a:r>
+          </a:p>
+          <a:p>
             <a:r>
               <a:rPr kumimoji="1" lang="en-US" altLang="ja-JP" dirty="0"/>
-              <a:t>balanced</a:t>
-            </a:r>
-            <a:r>
-              <a:rPr kumimoji="1" lang="ja-JP" altLang="en-US"/>
-              <a:t>かどうかがわかれば十分なのでは？？</a:t>
+              <a:t>VCF file is useful to summarize profiles of mutations, but hard to parse</a:t>
             </a:r>
           </a:p>
         </p:txBody>
@@ -5954,7 +7710,7 @@
     </p:spTree>
     <p:extLst>
       <p:ext uri="{BB962C8B-B14F-4D97-AF65-F5344CB8AC3E}">
-        <p14:creationId xmlns:p14="http://schemas.microsoft.com/office/powerpoint/2010/main" val="1478839342"/>
+        <p14:creationId xmlns:p14="http://schemas.microsoft.com/office/powerpoint/2010/main" val="903566812"/>
       </p:ext>
     </p:extLst>
   </p:cSld>
@@ -5986,7 +7742,7 @@
           <p:cNvPr id="2" name="タイトル 1">
             <a:extLst>
               <a:ext uri="{FF2B5EF4-FFF2-40B4-BE49-F238E27FC236}">
-                <a16:creationId xmlns:a16="http://schemas.microsoft.com/office/drawing/2014/main" id="{5006D832-E6BA-854A-A4E8-DCB7D4B338CB}"/>
+                <a16:creationId xmlns:a16="http://schemas.microsoft.com/office/drawing/2014/main" id="{6E432A0A-FB5A-5E43-81CA-4A48A6F38684}"/>
               </a:ext>
             </a:extLst>
           </p:cNvPr>
@@ -6003,44 +7759,79 @@
           <a:lstStyle/>
           <a:p>
             <a:r>
+              <a:rPr kumimoji="1" lang="en-US" altLang="ja-JP" dirty="0" err="1"/>
+              <a:t>PySgt</a:t>
+            </a:r>
+            <a:r>
+              <a:rPr kumimoji="1" lang="ja-JP" altLang="en-US"/>
+              <a:t>の概略</a:t>
+            </a:r>
+          </a:p>
+        </p:txBody>
+      </p:sp>
+      <p:sp>
+        <p:nvSpPr>
+          <p:cNvPr id="3" name="コンテンツ プレースホルダー 2">
+            <a:extLst>
+              <a:ext uri="{FF2B5EF4-FFF2-40B4-BE49-F238E27FC236}">
+                <a16:creationId xmlns:a16="http://schemas.microsoft.com/office/drawing/2014/main" id="{979444CB-83D2-3242-B2AB-22C8DEF4BCCB}"/>
+              </a:ext>
+            </a:extLst>
+          </p:cNvPr>
+          <p:cNvSpPr>
+            <a:spLocks noGrp="1"/>
+          </p:cNvSpPr>
+          <p:nvPr>
+            <p:ph idx="1"/>
+          </p:nvPr>
+        </p:nvSpPr>
+        <p:spPr/>
+        <p:txBody>
+          <a:bodyPr/>
+          <a:lstStyle/>
+          <a:p>
+            <a:r>
               <a:rPr kumimoji="1" lang="en-US" altLang="ja-JP" dirty="0"/>
-              <a:t>On Going</a:t>
-            </a:r>
-            <a:r>
-              <a:rPr kumimoji="1" lang="ja-JP" altLang="en-US"/>
-              <a:t>な課題</a:t>
-            </a:r>
-          </a:p>
-        </p:txBody>
-      </p:sp>
-      <p:sp>
-        <p:nvSpPr>
-          <p:cNvPr id="3" name="コンテンツ プレースホルダー 2">
-            <a:extLst>
-              <a:ext uri="{FF2B5EF4-FFF2-40B4-BE49-F238E27FC236}">
-                <a16:creationId xmlns:a16="http://schemas.microsoft.com/office/drawing/2014/main" id="{E4A7970B-99F9-534C-B70A-7A8C153F0B8D}"/>
-              </a:ext>
-            </a:extLst>
-          </p:cNvPr>
-          <p:cNvSpPr>
-            <a:spLocks noGrp="1"/>
-          </p:cNvSpPr>
-          <p:nvPr>
-            <p:ph idx="1"/>
-          </p:nvPr>
-        </p:nvSpPr>
-        <p:spPr/>
-        <p:txBody>
-          <a:bodyPr/>
-          <a:lstStyle/>
-          <a:p>
-            <a:r>
-              <a:rPr kumimoji="1" lang="en-US" altLang="ja-JP" dirty="0" err="1"/>
-              <a:t>read_vcf</a:t>
-            </a:r>
-            <a:r>
-              <a:rPr kumimoji="1" lang="ja-JP" altLang="en-US"/>
-              <a:t>がめっちゃ遅い！！！</a:t>
+              <a:t>SV</a:t>
+            </a:r>
+            <a:r>
+              <a:rPr kumimoji="1" lang="ja-JP" altLang="en-US"/>
+              <a:t>解析における</a:t>
+            </a:r>
+            <a:r>
+              <a:rPr kumimoji="1" lang="en-US" altLang="ja-JP" dirty="0"/>
+              <a:t>Robust</a:t>
+            </a:r>
+            <a:r>
+              <a:rPr kumimoji="1" lang="ja-JP" altLang="en-US"/>
+              <a:t>なデータフローを実現する</a:t>
+            </a:r>
+            <a:endParaRPr kumimoji="1" lang="en-US" altLang="ja-JP" dirty="0"/>
+          </a:p>
+          <a:p>
+            <a:r>
+              <a:rPr kumimoji="1" lang="en-US" altLang="ja-JP" dirty="0"/>
+              <a:t>Python</a:t>
+            </a:r>
+            <a:r>
+              <a:rPr kumimoji="1" lang="ja-JP" altLang="en-US"/>
+              <a:t>純正でコーディング</a:t>
+            </a:r>
+            <a:r>
+              <a:rPr kumimoji="1" lang="en-US" altLang="ja-JP" dirty="0"/>
+              <a:t>(?)</a:t>
+            </a:r>
+          </a:p>
+          <a:p>
+            <a:r>
+              <a:rPr lang="en-US" altLang="ja-JP" dirty="0"/>
+              <a:t>RDB-like data structure</a:t>
+            </a:r>
+          </a:p>
+          <a:p>
+            <a:r>
+              <a:rPr kumimoji="1" lang="en-US" altLang="ja-JP" dirty="0"/>
+              <a:t>High extensibility</a:t>
             </a:r>
           </a:p>
         </p:txBody>
@@ -6048,7 +7839,7 @@
     </p:spTree>
     <p:extLst>
       <p:ext uri="{BB962C8B-B14F-4D97-AF65-F5344CB8AC3E}">
-        <p14:creationId xmlns:p14="http://schemas.microsoft.com/office/powerpoint/2010/main" val="36454214"/>
+        <p14:creationId xmlns:p14="http://schemas.microsoft.com/office/powerpoint/2010/main" val="3074783831"/>
       </p:ext>
     </p:extLst>
   </p:cSld>
